--- a/Presentation.pptx
+++ b/Presentation.pptx
@@ -1,24 +1,119 @@
 
 <file path=ppt/presentation.xml><?xml version="1.0" encoding="utf-8"?>
-<p:presentation xmlns:a="http://schemas.openxmlformats.org/drawingml/2006/main" xmlns:p="http://schemas.openxmlformats.org/presentationml/2006/main" xmlns:r="http://schemas.openxmlformats.org/officeDocument/2006/relationships" xmlns:p14="http://schemas.microsoft.com/office/powerpoint/2010/main" xmlns:p15="http://schemas.microsoft.com/office/powerpoint/2012/main" xmlns:mc="http://schemas.openxmlformats.org/markup-compatibility/2006">
+<p:presentation xmlns:a="http://schemas.openxmlformats.org/drawingml/2006/main" xmlns:r="http://schemas.openxmlformats.org/officeDocument/2006/relationships" xmlns:p="http://schemas.openxmlformats.org/presentationml/2006/main">
   <p:sldMasterIdLst>
-    <p:sldMasterId id="2147483648" r:id="rId2"/>
-    <p:sldMasterId id="2147483661" r:id="rId3"/>
+    <p:sldMasterId id="2147483648" r:id="rId1"/>
+    <p:sldMasterId id="2147483661" r:id="rId2"/>
   </p:sldMasterIdLst>
   <p:sldIdLst>
-    <p:sldId id="256" r:id="rId4"/>
-    <p:sldId id="257" r:id="rId5"/>
-    <p:sldId id="258" r:id="rId6"/>
-    <p:sldId id="259" r:id="rId7"/>
-    <p:sldId id="260" r:id="rId8"/>
+    <p:sldId id="256" r:id="rId3"/>
+    <p:sldId id="257" r:id="rId4"/>
+    <p:sldId id="258" r:id="rId5"/>
+    <p:sldId id="259" r:id="rId6"/>
+    <p:sldId id="260" r:id="rId7"/>
   </p:sldIdLst>
   <p:sldSz cx="12192000" cy="6858000"/>
-  <p:notesSz cx="7559675" cy="10691812"/>
+  <p:notesSz cx="7559675" cy="10691813"/>
+  <p:defaultTextStyle>
+    <a:defPPr>
+      <a:defRPr lang="en-US"/>
+    </a:defPPr>
+    <a:lvl1pPr marL="0" algn="l" defTabSz="914400" rtl="0" eaLnBrk="1" latinLnBrk="0" hangingPunct="1">
+      <a:defRPr sz="1800" kern="1200">
+        <a:solidFill>
+          <a:schemeClr val="tx1"/>
+        </a:solidFill>
+        <a:latin typeface="+mn-lt"/>
+        <a:ea typeface="+mn-ea"/>
+        <a:cs typeface="+mn-cs"/>
+      </a:defRPr>
+    </a:lvl1pPr>
+    <a:lvl2pPr marL="457200" algn="l" defTabSz="914400" rtl="0" eaLnBrk="1" latinLnBrk="0" hangingPunct="1">
+      <a:defRPr sz="1800" kern="1200">
+        <a:solidFill>
+          <a:schemeClr val="tx1"/>
+        </a:solidFill>
+        <a:latin typeface="+mn-lt"/>
+        <a:ea typeface="+mn-ea"/>
+        <a:cs typeface="+mn-cs"/>
+      </a:defRPr>
+    </a:lvl2pPr>
+    <a:lvl3pPr marL="914400" algn="l" defTabSz="914400" rtl="0" eaLnBrk="1" latinLnBrk="0" hangingPunct="1">
+      <a:defRPr sz="1800" kern="1200">
+        <a:solidFill>
+          <a:schemeClr val="tx1"/>
+        </a:solidFill>
+        <a:latin typeface="+mn-lt"/>
+        <a:ea typeface="+mn-ea"/>
+        <a:cs typeface="+mn-cs"/>
+      </a:defRPr>
+    </a:lvl3pPr>
+    <a:lvl4pPr marL="1371600" algn="l" defTabSz="914400" rtl="0" eaLnBrk="1" latinLnBrk="0" hangingPunct="1">
+      <a:defRPr sz="1800" kern="1200">
+        <a:solidFill>
+          <a:schemeClr val="tx1"/>
+        </a:solidFill>
+        <a:latin typeface="+mn-lt"/>
+        <a:ea typeface="+mn-ea"/>
+        <a:cs typeface="+mn-cs"/>
+      </a:defRPr>
+    </a:lvl4pPr>
+    <a:lvl5pPr marL="1828800" algn="l" defTabSz="914400" rtl="0" eaLnBrk="1" latinLnBrk="0" hangingPunct="1">
+      <a:defRPr sz="1800" kern="1200">
+        <a:solidFill>
+          <a:schemeClr val="tx1"/>
+        </a:solidFill>
+        <a:latin typeface="+mn-lt"/>
+        <a:ea typeface="+mn-ea"/>
+        <a:cs typeface="+mn-cs"/>
+      </a:defRPr>
+    </a:lvl5pPr>
+    <a:lvl6pPr marL="2286000" algn="l" defTabSz="914400" rtl="0" eaLnBrk="1" latinLnBrk="0" hangingPunct="1">
+      <a:defRPr sz="1800" kern="1200">
+        <a:solidFill>
+          <a:schemeClr val="tx1"/>
+        </a:solidFill>
+        <a:latin typeface="+mn-lt"/>
+        <a:ea typeface="+mn-ea"/>
+        <a:cs typeface="+mn-cs"/>
+      </a:defRPr>
+    </a:lvl6pPr>
+    <a:lvl7pPr marL="2743200" algn="l" defTabSz="914400" rtl="0" eaLnBrk="1" latinLnBrk="0" hangingPunct="1">
+      <a:defRPr sz="1800" kern="1200">
+        <a:solidFill>
+          <a:schemeClr val="tx1"/>
+        </a:solidFill>
+        <a:latin typeface="+mn-lt"/>
+        <a:ea typeface="+mn-ea"/>
+        <a:cs typeface="+mn-cs"/>
+      </a:defRPr>
+    </a:lvl7pPr>
+    <a:lvl8pPr marL="3200400" algn="l" defTabSz="914400" rtl="0" eaLnBrk="1" latinLnBrk="0" hangingPunct="1">
+      <a:defRPr sz="1800" kern="1200">
+        <a:solidFill>
+          <a:schemeClr val="tx1"/>
+        </a:solidFill>
+        <a:latin typeface="+mn-lt"/>
+        <a:ea typeface="+mn-ea"/>
+        <a:cs typeface="+mn-cs"/>
+      </a:defRPr>
+    </a:lvl8pPr>
+    <a:lvl9pPr marL="3657600" algn="l" defTabSz="914400" rtl="0" eaLnBrk="1" latinLnBrk="0" hangingPunct="1">
+      <a:defRPr sz="1800" kern="1200">
+        <a:solidFill>
+          <a:schemeClr val="tx1"/>
+        </a:solidFill>
+        <a:latin typeface="+mn-lt"/>
+        <a:ea typeface="+mn-ea"/>
+        <a:cs typeface="+mn-cs"/>
+      </a:defRPr>
+    </a:lvl9pPr>
+  </p:defaultTextStyle>
 </p:presentation>
 </file>
 
 <file path=ppt/slideLayouts/slideLayout1.xml><?xml version="1.0" encoding="utf-8"?>
-<p:sldLayout xmlns:a="http://schemas.openxmlformats.org/drawingml/2006/main" xmlns:p="http://schemas.openxmlformats.org/presentationml/2006/main" xmlns:r="http://schemas.openxmlformats.org/officeDocument/2006/relationships" xmlns:p14="http://schemas.microsoft.com/office/powerpoint/2010/main" xmlns:p15="http://schemas.microsoft.com/office/powerpoint/2012/main" xmlns:mc="http://schemas.openxmlformats.org/markup-compatibility/2006" type="blank" preserve="1">
+<p:sldLayout xmlns:a="http://schemas.openxmlformats.org/drawingml/2006/main" xmlns:r="http://schemas.openxmlformats.org/officeDocument/2006/relationships" xmlns:p="http://schemas.openxmlformats.org/presentationml/2006/main" type="blank" preserve="1">
   <p:cSld name="Blank Slide">
     <p:spTree>
       <p:nvGrpSpPr>
@@ -36,11 +131,14 @@
       </p:grpSpPr>
     </p:spTree>
   </p:cSld>
+  <p:clrMapOvr>
+    <a:masterClrMapping/>
+  </p:clrMapOvr>
 </p:sldLayout>
 </file>
 
 <file path=ppt/slideLayouts/slideLayout10.xml><?xml version="1.0" encoding="utf-8"?>
-<p:sldLayout xmlns:a="http://schemas.openxmlformats.org/drawingml/2006/main" xmlns:p="http://schemas.openxmlformats.org/presentationml/2006/main" xmlns:r="http://schemas.openxmlformats.org/officeDocument/2006/relationships" xmlns:p14="http://schemas.microsoft.com/office/powerpoint/2010/main" xmlns:p15="http://schemas.microsoft.com/office/powerpoint/2012/main" xmlns:mc="http://schemas.openxmlformats.org/markup-compatibility/2006" type="objOverTx" preserve="1">
+<p:sldLayout xmlns:a="http://schemas.openxmlformats.org/drawingml/2006/main" xmlns:r="http://schemas.openxmlformats.org/officeDocument/2006/relationships" xmlns:p="http://schemas.openxmlformats.org/presentationml/2006/main" type="objOverTx" preserve="1">
   <p:cSld name="Title, Content over Content">
     <p:spTree>
       <p:nvGrpSpPr>
@@ -76,9 +174,10 @@
           </a:prstGeom>
         </p:spPr>
         <p:txBody>
-          <a:bodyPr lIns="0" rIns="0" tIns="0" bIns="0" anchor="ctr"/>
-          <a:p>
-            <a:endParaRPr b="0" lang="en-US" sz="1800" spc="-1" strike="noStrike">
+          <a:bodyPr lIns="0" tIns="0" rIns="0" bIns="0" anchor="ctr"/>
+          <a:lstStyle/>
+          <a:p>
+            <a:endParaRPr lang="en-US" sz="1800" b="0" strike="noStrike" spc="-1">
               <a:solidFill>
                 <a:srgbClr val="000000"/>
               </a:solidFill>
@@ -107,11 +206,12 @@
           </a:prstGeom>
         </p:spPr>
         <p:txBody>
-          <a:bodyPr lIns="0" rIns="0" tIns="0" bIns="0">
+          <a:bodyPr lIns="0" tIns="0" rIns="0" bIns="0">
             <a:normAutofit/>
           </a:bodyPr>
-          <a:p>
-            <a:endParaRPr b="0" lang="en-US" sz="2000" spc="-1" strike="noStrike">
+          <a:lstStyle/>
+          <a:p>
+            <a:endParaRPr lang="en-US" sz="2000" b="0" strike="noStrike" spc="-1">
               <a:solidFill>
                 <a:srgbClr val="000000"/>
               </a:solidFill>
@@ -140,11 +240,12 @@
           </a:prstGeom>
         </p:spPr>
         <p:txBody>
-          <a:bodyPr lIns="0" rIns="0" tIns="0" bIns="0">
+          <a:bodyPr lIns="0" tIns="0" rIns="0" bIns="0">
             <a:normAutofit/>
           </a:bodyPr>
-          <a:p>
-            <a:endParaRPr b="0" lang="en-US" sz="2000" spc="-1" strike="noStrike">
+          <a:lstStyle/>
+          <a:p>
+            <a:endParaRPr lang="en-US" sz="2000" b="0" strike="noStrike" spc="-1">
               <a:solidFill>
                 <a:srgbClr val="000000"/>
               </a:solidFill>
@@ -155,11 +256,14 @@
       </p:sp>
     </p:spTree>
   </p:cSld>
+  <p:clrMapOvr>
+    <a:masterClrMapping/>
+  </p:clrMapOvr>
 </p:sldLayout>
 </file>
 
 <file path=ppt/slideLayouts/slideLayout11.xml><?xml version="1.0" encoding="utf-8"?>
-<p:sldLayout xmlns:a="http://schemas.openxmlformats.org/drawingml/2006/main" xmlns:p="http://schemas.openxmlformats.org/presentationml/2006/main" xmlns:r="http://schemas.openxmlformats.org/officeDocument/2006/relationships" xmlns:p14="http://schemas.microsoft.com/office/powerpoint/2010/main" xmlns:p15="http://schemas.microsoft.com/office/powerpoint/2012/main" xmlns:mc="http://schemas.openxmlformats.org/markup-compatibility/2006" type="fourObj" preserve="1">
+<p:sldLayout xmlns:a="http://schemas.openxmlformats.org/drawingml/2006/main" xmlns:r="http://schemas.openxmlformats.org/officeDocument/2006/relationships" xmlns:p="http://schemas.openxmlformats.org/presentationml/2006/main" type="fourObj" preserve="1">
   <p:cSld name="Title, 4 Content">
     <p:spTree>
       <p:nvGrpSpPr>
@@ -195,9 +299,10 @@
           </a:prstGeom>
         </p:spPr>
         <p:txBody>
-          <a:bodyPr lIns="0" rIns="0" tIns="0" bIns="0" anchor="ctr"/>
-          <a:p>
-            <a:endParaRPr b="0" lang="en-US" sz="1800" spc="-1" strike="noStrike">
+          <a:bodyPr lIns="0" tIns="0" rIns="0" bIns="0" anchor="ctr"/>
+          <a:lstStyle/>
+          <a:p>
+            <a:endParaRPr lang="en-US" sz="1800" b="0" strike="noStrike" spc="-1">
               <a:solidFill>
                 <a:srgbClr val="000000"/>
               </a:solidFill>
@@ -226,11 +331,12 @@
           </a:prstGeom>
         </p:spPr>
         <p:txBody>
-          <a:bodyPr lIns="0" rIns="0" tIns="0" bIns="0">
+          <a:bodyPr lIns="0" tIns="0" rIns="0" bIns="0">
             <a:normAutofit/>
           </a:bodyPr>
-          <a:p>
-            <a:endParaRPr b="0" lang="en-US" sz="2000" spc="-1" strike="noStrike">
+          <a:lstStyle/>
+          <a:p>
+            <a:endParaRPr lang="en-US" sz="2000" b="0" strike="noStrike" spc="-1">
               <a:solidFill>
                 <a:srgbClr val="000000"/>
               </a:solidFill>
@@ -259,11 +365,12 @@
           </a:prstGeom>
         </p:spPr>
         <p:txBody>
-          <a:bodyPr lIns="0" rIns="0" tIns="0" bIns="0">
+          <a:bodyPr lIns="0" tIns="0" rIns="0" bIns="0">
             <a:normAutofit/>
           </a:bodyPr>
-          <a:p>
-            <a:endParaRPr b="0" lang="en-US" sz="2000" spc="-1" strike="noStrike">
+          <a:lstStyle/>
+          <a:p>
+            <a:endParaRPr lang="en-US" sz="2000" b="0" strike="noStrike" spc="-1">
               <a:solidFill>
                 <a:srgbClr val="000000"/>
               </a:solidFill>
@@ -292,11 +399,12 @@
           </a:prstGeom>
         </p:spPr>
         <p:txBody>
-          <a:bodyPr lIns="0" rIns="0" tIns="0" bIns="0">
+          <a:bodyPr lIns="0" tIns="0" rIns="0" bIns="0">
             <a:normAutofit/>
           </a:bodyPr>
-          <a:p>
-            <a:endParaRPr b="0" lang="en-US" sz="2000" spc="-1" strike="noStrike">
+          <a:lstStyle/>
+          <a:p>
+            <a:endParaRPr lang="en-US" sz="2000" b="0" strike="noStrike" spc="-1">
               <a:solidFill>
                 <a:srgbClr val="000000"/>
               </a:solidFill>
@@ -325,11 +433,12 @@
           </a:prstGeom>
         </p:spPr>
         <p:txBody>
-          <a:bodyPr lIns="0" rIns="0" tIns="0" bIns="0">
+          <a:bodyPr lIns="0" tIns="0" rIns="0" bIns="0">
             <a:normAutofit/>
           </a:bodyPr>
-          <a:p>
-            <a:endParaRPr b="0" lang="en-US" sz="2000" spc="-1" strike="noStrike">
+          <a:lstStyle/>
+          <a:p>
+            <a:endParaRPr lang="en-US" sz="2000" b="0" strike="noStrike" spc="-1">
               <a:solidFill>
                 <a:srgbClr val="000000"/>
               </a:solidFill>
@@ -340,11 +449,14 @@
       </p:sp>
     </p:spTree>
   </p:cSld>
+  <p:clrMapOvr>
+    <a:masterClrMapping/>
+  </p:clrMapOvr>
 </p:sldLayout>
 </file>
 
 <file path=ppt/slideLayouts/slideLayout12.xml><?xml version="1.0" encoding="utf-8"?>
-<p:sldLayout xmlns:a="http://schemas.openxmlformats.org/drawingml/2006/main" xmlns:p="http://schemas.openxmlformats.org/presentationml/2006/main" xmlns:r="http://schemas.openxmlformats.org/officeDocument/2006/relationships" xmlns:p14="http://schemas.microsoft.com/office/powerpoint/2010/main" xmlns:p15="http://schemas.microsoft.com/office/powerpoint/2012/main" xmlns:mc="http://schemas.openxmlformats.org/markup-compatibility/2006" type="blank" preserve="1">
+<p:sldLayout xmlns:a="http://schemas.openxmlformats.org/drawingml/2006/main" xmlns:r="http://schemas.openxmlformats.org/officeDocument/2006/relationships" xmlns:p="http://schemas.openxmlformats.org/presentationml/2006/main" type="blank" preserve="1">
   <p:cSld name="Title, 6 Content">
     <p:spTree>
       <p:nvGrpSpPr>
@@ -380,9 +492,10 @@
           </a:prstGeom>
         </p:spPr>
         <p:txBody>
-          <a:bodyPr lIns="0" rIns="0" tIns="0" bIns="0" anchor="ctr"/>
-          <a:p>
-            <a:endParaRPr b="0" lang="en-US" sz="1800" spc="-1" strike="noStrike">
+          <a:bodyPr lIns="0" tIns="0" rIns="0" bIns="0" anchor="ctr"/>
+          <a:lstStyle/>
+          <a:p>
+            <a:endParaRPr lang="en-US" sz="1800" b="0" strike="noStrike" spc="-1">
               <a:solidFill>
                 <a:srgbClr val="000000"/>
               </a:solidFill>
@@ -411,11 +524,12 @@
           </a:prstGeom>
         </p:spPr>
         <p:txBody>
-          <a:bodyPr lIns="0" rIns="0" tIns="0" bIns="0">
+          <a:bodyPr lIns="0" tIns="0" rIns="0" bIns="0">
             <a:normAutofit/>
           </a:bodyPr>
-          <a:p>
-            <a:endParaRPr b="0" lang="en-US" sz="2000" spc="-1" strike="noStrike">
+          <a:lstStyle/>
+          <a:p>
+            <a:endParaRPr lang="en-US" sz="2000" b="0" strike="noStrike" spc="-1">
               <a:solidFill>
                 <a:srgbClr val="000000"/>
               </a:solidFill>
@@ -444,11 +558,12 @@
           </a:prstGeom>
         </p:spPr>
         <p:txBody>
-          <a:bodyPr lIns="0" rIns="0" tIns="0" bIns="0">
+          <a:bodyPr lIns="0" tIns="0" rIns="0" bIns="0">
             <a:normAutofit/>
           </a:bodyPr>
-          <a:p>
-            <a:endParaRPr b="0" lang="en-US" sz="2000" spc="-1" strike="noStrike">
+          <a:lstStyle/>
+          <a:p>
+            <a:endParaRPr lang="en-US" sz="2000" b="0" strike="noStrike" spc="-1">
               <a:solidFill>
                 <a:srgbClr val="000000"/>
               </a:solidFill>
@@ -477,11 +592,12 @@
           </a:prstGeom>
         </p:spPr>
         <p:txBody>
-          <a:bodyPr lIns="0" rIns="0" tIns="0" bIns="0">
+          <a:bodyPr lIns="0" tIns="0" rIns="0" bIns="0">
             <a:normAutofit/>
           </a:bodyPr>
-          <a:p>
-            <a:endParaRPr b="0" lang="en-US" sz="2000" spc="-1" strike="noStrike">
+          <a:lstStyle/>
+          <a:p>
+            <a:endParaRPr lang="en-US" sz="2000" b="0" strike="noStrike" spc="-1">
               <a:solidFill>
                 <a:srgbClr val="000000"/>
               </a:solidFill>
@@ -510,11 +626,12 @@
           </a:prstGeom>
         </p:spPr>
         <p:txBody>
-          <a:bodyPr lIns="0" rIns="0" tIns="0" bIns="0">
+          <a:bodyPr lIns="0" tIns="0" rIns="0" bIns="0">
             <a:normAutofit/>
           </a:bodyPr>
-          <a:p>
-            <a:endParaRPr b="0" lang="en-US" sz="2000" spc="-1" strike="noStrike">
+          <a:lstStyle/>
+          <a:p>
+            <a:endParaRPr lang="en-US" sz="2000" b="0" strike="noStrike" spc="-1">
               <a:solidFill>
                 <a:srgbClr val="000000"/>
               </a:solidFill>
@@ -543,11 +660,12 @@
           </a:prstGeom>
         </p:spPr>
         <p:txBody>
-          <a:bodyPr lIns="0" rIns="0" tIns="0" bIns="0">
+          <a:bodyPr lIns="0" tIns="0" rIns="0" bIns="0">
             <a:normAutofit/>
           </a:bodyPr>
-          <a:p>
-            <a:endParaRPr b="0" lang="en-US" sz="2000" spc="-1" strike="noStrike">
+          <a:lstStyle/>
+          <a:p>
+            <a:endParaRPr lang="en-US" sz="2000" b="0" strike="noStrike" spc="-1">
               <a:solidFill>
                 <a:srgbClr val="000000"/>
               </a:solidFill>
@@ -576,11 +694,12 @@
           </a:prstGeom>
         </p:spPr>
         <p:txBody>
-          <a:bodyPr lIns="0" rIns="0" tIns="0" bIns="0">
+          <a:bodyPr lIns="0" tIns="0" rIns="0" bIns="0">
             <a:normAutofit/>
           </a:bodyPr>
-          <a:p>
-            <a:endParaRPr b="0" lang="en-US" sz="2000" spc="-1" strike="noStrike">
+          <a:lstStyle/>
+          <a:p>
+            <a:endParaRPr lang="en-US" sz="2000" b="0" strike="noStrike" spc="-1">
               <a:solidFill>
                 <a:srgbClr val="000000"/>
               </a:solidFill>
@@ -591,11 +710,14 @@
       </p:sp>
     </p:spTree>
   </p:cSld>
+  <p:clrMapOvr>
+    <a:masterClrMapping/>
+  </p:clrMapOvr>
 </p:sldLayout>
 </file>
 
 <file path=ppt/slideLayouts/slideLayout13.xml><?xml version="1.0" encoding="utf-8"?>
-<p:sldLayout xmlns:a="http://schemas.openxmlformats.org/drawingml/2006/main" xmlns:p="http://schemas.openxmlformats.org/presentationml/2006/main" xmlns:r="http://schemas.openxmlformats.org/officeDocument/2006/relationships" xmlns:p14="http://schemas.microsoft.com/office/powerpoint/2010/main" xmlns:p15="http://schemas.microsoft.com/office/powerpoint/2012/main" xmlns:mc="http://schemas.openxmlformats.org/markup-compatibility/2006" type="blank" preserve="1">
+<p:sldLayout xmlns:a="http://schemas.openxmlformats.org/drawingml/2006/main" xmlns:r="http://schemas.openxmlformats.org/officeDocument/2006/relationships" xmlns:p="http://schemas.openxmlformats.org/presentationml/2006/main" type="blank" preserve="1">
   <p:cSld name="Blank Slide">
     <p:spTree>
       <p:nvGrpSpPr>
@@ -613,11 +735,14 @@
       </p:grpSpPr>
     </p:spTree>
   </p:cSld>
+  <p:clrMapOvr>
+    <a:masterClrMapping/>
+  </p:clrMapOvr>
 </p:sldLayout>
 </file>
 
 <file path=ppt/slideLayouts/slideLayout14.xml><?xml version="1.0" encoding="utf-8"?>
-<p:sldLayout xmlns:a="http://schemas.openxmlformats.org/drawingml/2006/main" xmlns:p="http://schemas.openxmlformats.org/presentationml/2006/main" xmlns:r="http://schemas.openxmlformats.org/officeDocument/2006/relationships" xmlns:p14="http://schemas.microsoft.com/office/powerpoint/2010/main" xmlns:p15="http://schemas.microsoft.com/office/powerpoint/2012/main" xmlns:mc="http://schemas.openxmlformats.org/markup-compatibility/2006" type="tx" preserve="1">
+<p:sldLayout xmlns:a="http://schemas.openxmlformats.org/drawingml/2006/main" xmlns:r="http://schemas.openxmlformats.org/officeDocument/2006/relationships" xmlns:p="http://schemas.openxmlformats.org/presentationml/2006/main" type="tx" preserve="1">
   <p:cSld name="Title Slide">
     <p:spTree>
       <p:nvGrpSpPr>
@@ -653,9 +778,10 @@
           </a:prstGeom>
         </p:spPr>
         <p:txBody>
-          <a:bodyPr lIns="0" rIns="0" tIns="0" bIns="0" anchor="ctr"/>
-          <a:p>
-            <a:endParaRPr b="0" lang="en-US" sz="1800" spc="-1" strike="noStrike">
+          <a:bodyPr lIns="0" tIns="0" rIns="0" bIns="0" anchor="ctr"/>
+          <a:lstStyle/>
+          <a:p>
+            <a:endParaRPr lang="en-US" sz="1800" b="0" strike="noStrike" spc="-1">
               <a:solidFill>
                 <a:srgbClr val="000000"/>
               </a:solidFill>
@@ -684,10 +810,11 @@
           </a:prstGeom>
         </p:spPr>
         <p:txBody>
-          <a:bodyPr lIns="0" rIns="0" tIns="0" bIns="0" anchor="ctr"/>
+          <a:bodyPr lIns="0" tIns="0" rIns="0" bIns="0" anchor="ctr"/>
+          <a:lstStyle/>
           <a:p>
             <a:pPr algn="ctr"/>
-            <a:endParaRPr b="0" lang="en-US" sz="3200" spc="-1" strike="noStrike">
+            <a:endParaRPr lang="en-US" sz="3200" b="0" strike="noStrike" spc="-1">
               <a:latin typeface="Arial"/>
             </a:endParaRPr>
           </a:p>
@@ -695,11 +822,14 @@
       </p:sp>
     </p:spTree>
   </p:cSld>
+  <p:clrMapOvr>
+    <a:masterClrMapping/>
+  </p:clrMapOvr>
 </p:sldLayout>
 </file>
 
 <file path=ppt/slideLayouts/slideLayout15.xml><?xml version="1.0" encoding="utf-8"?>
-<p:sldLayout xmlns:a="http://schemas.openxmlformats.org/drawingml/2006/main" xmlns:p="http://schemas.openxmlformats.org/presentationml/2006/main" xmlns:r="http://schemas.openxmlformats.org/officeDocument/2006/relationships" xmlns:p14="http://schemas.microsoft.com/office/powerpoint/2010/main" xmlns:p15="http://schemas.microsoft.com/office/powerpoint/2012/main" xmlns:mc="http://schemas.openxmlformats.org/markup-compatibility/2006" type="obj" preserve="1">
+<p:sldLayout xmlns:a="http://schemas.openxmlformats.org/drawingml/2006/main" xmlns:r="http://schemas.openxmlformats.org/officeDocument/2006/relationships" xmlns:p="http://schemas.openxmlformats.org/presentationml/2006/main" type="obj" preserve="1">
   <p:cSld name="Title, Content">
     <p:spTree>
       <p:nvGrpSpPr>
@@ -735,9 +865,10 @@
           </a:prstGeom>
         </p:spPr>
         <p:txBody>
-          <a:bodyPr lIns="0" rIns="0" tIns="0" bIns="0" anchor="ctr"/>
-          <a:p>
-            <a:endParaRPr b="0" lang="en-US" sz="1800" spc="-1" strike="noStrike">
+          <a:bodyPr lIns="0" tIns="0" rIns="0" bIns="0" anchor="ctr"/>
+          <a:lstStyle/>
+          <a:p>
+            <a:endParaRPr lang="en-US" sz="1800" b="0" strike="noStrike" spc="-1">
               <a:solidFill>
                 <a:srgbClr val="000000"/>
               </a:solidFill>
@@ -766,11 +897,12 @@
           </a:prstGeom>
         </p:spPr>
         <p:txBody>
-          <a:bodyPr lIns="0" rIns="0" tIns="0" bIns="0">
+          <a:bodyPr lIns="0" tIns="0" rIns="0" bIns="0">
             <a:normAutofit/>
           </a:bodyPr>
-          <a:p>
-            <a:endParaRPr b="0" lang="en-US" sz="2000" spc="-1" strike="noStrike">
+          <a:lstStyle/>
+          <a:p>
+            <a:endParaRPr lang="en-US" sz="2000" b="0" strike="noStrike" spc="-1">
               <a:solidFill>
                 <a:srgbClr val="000000"/>
               </a:solidFill>
@@ -781,11 +913,14 @@
       </p:sp>
     </p:spTree>
   </p:cSld>
+  <p:clrMapOvr>
+    <a:masterClrMapping/>
+  </p:clrMapOvr>
 </p:sldLayout>
 </file>
 
 <file path=ppt/slideLayouts/slideLayout16.xml><?xml version="1.0" encoding="utf-8"?>
-<p:sldLayout xmlns:a="http://schemas.openxmlformats.org/drawingml/2006/main" xmlns:p="http://schemas.openxmlformats.org/presentationml/2006/main" xmlns:r="http://schemas.openxmlformats.org/officeDocument/2006/relationships" xmlns:p14="http://schemas.microsoft.com/office/powerpoint/2010/main" xmlns:p15="http://schemas.microsoft.com/office/powerpoint/2012/main" xmlns:mc="http://schemas.openxmlformats.org/markup-compatibility/2006" type="twoObj" preserve="1">
+<p:sldLayout xmlns:a="http://schemas.openxmlformats.org/drawingml/2006/main" xmlns:r="http://schemas.openxmlformats.org/officeDocument/2006/relationships" xmlns:p="http://schemas.openxmlformats.org/presentationml/2006/main" type="twoObj" preserve="1">
   <p:cSld name="Title, 2 Content">
     <p:spTree>
       <p:nvGrpSpPr>
@@ -821,9 +956,10 @@
           </a:prstGeom>
         </p:spPr>
         <p:txBody>
-          <a:bodyPr lIns="0" rIns="0" tIns="0" bIns="0" anchor="ctr"/>
-          <a:p>
-            <a:endParaRPr b="0" lang="en-US" sz="1800" spc="-1" strike="noStrike">
+          <a:bodyPr lIns="0" tIns="0" rIns="0" bIns="0" anchor="ctr"/>
+          <a:lstStyle/>
+          <a:p>
+            <a:endParaRPr lang="en-US" sz="1800" b="0" strike="noStrike" spc="-1">
               <a:solidFill>
                 <a:srgbClr val="000000"/>
               </a:solidFill>
@@ -852,11 +988,12 @@
           </a:prstGeom>
         </p:spPr>
         <p:txBody>
-          <a:bodyPr lIns="0" rIns="0" tIns="0" bIns="0">
+          <a:bodyPr lIns="0" tIns="0" rIns="0" bIns="0">
             <a:normAutofit/>
           </a:bodyPr>
-          <a:p>
-            <a:endParaRPr b="0" lang="en-US" sz="2000" spc="-1" strike="noStrike">
+          <a:lstStyle/>
+          <a:p>
+            <a:endParaRPr lang="en-US" sz="2000" b="0" strike="noStrike" spc="-1">
               <a:solidFill>
                 <a:srgbClr val="000000"/>
               </a:solidFill>
@@ -885,11 +1022,12 @@
           </a:prstGeom>
         </p:spPr>
         <p:txBody>
-          <a:bodyPr lIns="0" rIns="0" tIns="0" bIns="0">
+          <a:bodyPr lIns="0" tIns="0" rIns="0" bIns="0">
             <a:normAutofit/>
           </a:bodyPr>
-          <a:p>
-            <a:endParaRPr b="0" lang="en-US" sz="2000" spc="-1" strike="noStrike">
+          <a:lstStyle/>
+          <a:p>
+            <a:endParaRPr lang="en-US" sz="2000" b="0" strike="noStrike" spc="-1">
               <a:solidFill>
                 <a:srgbClr val="000000"/>
               </a:solidFill>
@@ -900,11 +1038,14 @@
       </p:sp>
     </p:spTree>
   </p:cSld>
+  <p:clrMapOvr>
+    <a:masterClrMapping/>
+  </p:clrMapOvr>
 </p:sldLayout>
 </file>
 
 <file path=ppt/slideLayouts/slideLayout17.xml><?xml version="1.0" encoding="utf-8"?>
-<p:sldLayout xmlns:a="http://schemas.openxmlformats.org/drawingml/2006/main" xmlns:p="http://schemas.openxmlformats.org/presentationml/2006/main" xmlns:r="http://schemas.openxmlformats.org/officeDocument/2006/relationships" xmlns:p14="http://schemas.microsoft.com/office/powerpoint/2010/main" xmlns:p15="http://schemas.microsoft.com/office/powerpoint/2012/main" xmlns:mc="http://schemas.openxmlformats.org/markup-compatibility/2006" type="titleOnly" preserve="1">
+<p:sldLayout xmlns:a="http://schemas.openxmlformats.org/drawingml/2006/main" xmlns:r="http://schemas.openxmlformats.org/officeDocument/2006/relationships" xmlns:p="http://schemas.openxmlformats.org/presentationml/2006/main" type="titleOnly" preserve="1">
   <p:cSld name="Title Only">
     <p:spTree>
       <p:nvGrpSpPr>
@@ -940,9 +1081,10 @@
           </a:prstGeom>
         </p:spPr>
         <p:txBody>
-          <a:bodyPr lIns="0" rIns="0" tIns="0" bIns="0" anchor="ctr"/>
-          <a:p>
-            <a:endParaRPr b="0" lang="en-US" sz="1800" spc="-1" strike="noStrike">
+          <a:bodyPr lIns="0" tIns="0" rIns="0" bIns="0" anchor="ctr"/>
+          <a:lstStyle/>
+          <a:p>
+            <a:endParaRPr lang="en-US" sz="1800" b="0" strike="noStrike" spc="-1">
               <a:solidFill>
                 <a:srgbClr val="000000"/>
               </a:solidFill>
@@ -953,11 +1095,14 @@
       </p:sp>
     </p:spTree>
   </p:cSld>
+  <p:clrMapOvr>
+    <a:masterClrMapping/>
+  </p:clrMapOvr>
 </p:sldLayout>
 </file>
 
 <file path=ppt/slideLayouts/slideLayout18.xml><?xml version="1.0" encoding="utf-8"?>
-<p:sldLayout xmlns:a="http://schemas.openxmlformats.org/drawingml/2006/main" xmlns:p="http://schemas.openxmlformats.org/presentationml/2006/main" xmlns:r="http://schemas.openxmlformats.org/officeDocument/2006/relationships" xmlns:p14="http://schemas.microsoft.com/office/powerpoint/2010/main" xmlns:p15="http://schemas.microsoft.com/office/powerpoint/2012/main" xmlns:mc="http://schemas.openxmlformats.org/markup-compatibility/2006" type="objOnly" preserve="1">
+<p:sldLayout xmlns:a="http://schemas.openxmlformats.org/drawingml/2006/main" xmlns:r="http://schemas.openxmlformats.org/officeDocument/2006/relationships" xmlns:p="http://schemas.openxmlformats.org/presentationml/2006/main" type="objOnly" preserve="1">
   <p:cSld name="Centered Text">
     <p:spTree>
       <p:nvGrpSpPr>
@@ -993,10 +1138,11 @@
           </a:prstGeom>
         </p:spPr>
         <p:txBody>
-          <a:bodyPr lIns="0" rIns="0" tIns="0" bIns="0" anchor="ctr"/>
+          <a:bodyPr lIns="0" tIns="0" rIns="0" bIns="0" anchor="ctr"/>
+          <a:lstStyle/>
           <a:p>
             <a:pPr algn="ctr"/>
-            <a:endParaRPr b="0" lang="en-US" sz="3200" spc="-1" strike="noStrike">
+            <a:endParaRPr lang="en-US" sz="3200" b="0" strike="noStrike" spc="-1">
               <a:latin typeface="Arial"/>
             </a:endParaRPr>
           </a:p>
@@ -1004,11 +1150,14 @@
       </p:sp>
     </p:spTree>
   </p:cSld>
+  <p:clrMapOvr>
+    <a:masterClrMapping/>
+  </p:clrMapOvr>
 </p:sldLayout>
 </file>
 
 <file path=ppt/slideLayouts/slideLayout19.xml><?xml version="1.0" encoding="utf-8"?>
-<p:sldLayout xmlns:a="http://schemas.openxmlformats.org/drawingml/2006/main" xmlns:p="http://schemas.openxmlformats.org/presentationml/2006/main" xmlns:r="http://schemas.openxmlformats.org/officeDocument/2006/relationships" xmlns:p14="http://schemas.microsoft.com/office/powerpoint/2010/main" xmlns:p15="http://schemas.microsoft.com/office/powerpoint/2012/main" xmlns:mc="http://schemas.openxmlformats.org/markup-compatibility/2006" type="twoObjAndObj" preserve="1">
+<p:sldLayout xmlns:a="http://schemas.openxmlformats.org/drawingml/2006/main" xmlns:r="http://schemas.openxmlformats.org/officeDocument/2006/relationships" xmlns:p="http://schemas.openxmlformats.org/presentationml/2006/main" type="twoObjAndObj" preserve="1">
   <p:cSld name="Title, 2 Content and Content">
     <p:spTree>
       <p:nvGrpSpPr>
@@ -1044,9 +1193,10 @@
           </a:prstGeom>
         </p:spPr>
         <p:txBody>
-          <a:bodyPr lIns="0" rIns="0" tIns="0" bIns="0" anchor="ctr"/>
-          <a:p>
-            <a:endParaRPr b="0" lang="en-US" sz="1800" spc="-1" strike="noStrike">
+          <a:bodyPr lIns="0" tIns="0" rIns="0" bIns="0" anchor="ctr"/>
+          <a:lstStyle/>
+          <a:p>
+            <a:endParaRPr lang="en-US" sz="1800" b="0" strike="noStrike" spc="-1">
               <a:solidFill>
                 <a:srgbClr val="000000"/>
               </a:solidFill>
@@ -1075,11 +1225,12 @@
           </a:prstGeom>
         </p:spPr>
         <p:txBody>
-          <a:bodyPr lIns="0" rIns="0" tIns="0" bIns="0">
+          <a:bodyPr lIns="0" tIns="0" rIns="0" bIns="0">
             <a:normAutofit/>
           </a:bodyPr>
-          <a:p>
-            <a:endParaRPr b="0" lang="en-US" sz="2000" spc="-1" strike="noStrike">
+          <a:lstStyle/>
+          <a:p>
+            <a:endParaRPr lang="en-US" sz="2000" b="0" strike="noStrike" spc="-1">
               <a:solidFill>
                 <a:srgbClr val="000000"/>
               </a:solidFill>
@@ -1108,11 +1259,12 @@
           </a:prstGeom>
         </p:spPr>
         <p:txBody>
-          <a:bodyPr lIns="0" rIns="0" tIns="0" bIns="0">
+          <a:bodyPr lIns="0" tIns="0" rIns="0" bIns="0">
             <a:normAutofit/>
           </a:bodyPr>
-          <a:p>
-            <a:endParaRPr b="0" lang="en-US" sz="2000" spc="-1" strike="noStrike">
+          <a:lstStyle/>
+          <a:p>
+            <a:endParaRPr lang="en-US" sz="2000" b="0" strike="noStrike" spc="-1">
               <a:solidFill>
                 <a:srgbClr val="000000"/>
               </a:solidFill>
@@ -1141,11 +1293,12 @@
           </a:prstGeom>
         </p:spPr>
         <p:txBody>
-          <a:bodyPr lIns="0" rIns="0" tIns="0" bIns="0">
+          <a:bodyPr lIns="0" tIns="0" rIns="0" bIns="0">
             <a:normAutofit/>
           </a:bodyPr>
-          <a:p>
-            <a:endParaRPr b="0" lang="en-US" sz="2000" spc="-1" strike="noStrike">
+          <a:lstStyle/>
+          <a:p>
+            <a:endParaRPr lang="en-US" sz="2000" b="0" strike="noStrike" spc="-1">
               <a:solidFill>
                 <a:srgbClr val="000000"/>
               </a:solidFill>
@@ -1156,11 +1309,14 @@
       </p:sp>
     </p:spTree>
   </p:cSld>
+  <p:clrMapOvr>
+    <a:masterClrMapping/>
+  </p:clrMapOvr>
 </p:sldLayout>
 </file>
 
 <file path=ppt/slideLayouts/slideLayout2.xml><?xml version="1.0" encoding="utf-8"?>
-<p:sldLayout xmlns:a="http://schemas.openxmlformats.org/drawingml/2006/main" xmlns:p="http://schemas.openxmlformats.org/presentationml/2006/main" xmlns:r="http://schemas.openxmlformats.org/officeDocument/2006/relationships" xmlns:p14="http://schemas.microsoft.com/office/powerpoint/2010/main" xmlns:p15="http://schemas.microsoft.com/office/powerpoint/2012/main" xmlns:mc="http://schemas.openxmlformats.org/markup-compatibility/2006" type="tx" preserve="1">
+<p:sldLayout xmlns:a="http://schemas.openxmlformats.org/drawingml/2006/main" xmlns:r="http://schemas.openxmlformats.org/officeDocument/2006/relationships" xmlns:p="http://schemas.openxmlformats.org/presentationml/2006/main" type="tx" preserve="1">
   <p:cSld name="Title Slide">
     <p:spTree>
       <p:nvGrpSpPr>
@@ -1196,9 +1352,10 @@
           </a:prstGeom>
         </p:spPr>
         <p:txBody>
-          <a:bodyPr lIns="0" rIns="0" tIns="0" bIns="0" anchor="ctr"/>
-          <a:p>
-            <a:endParaRPr b="0" lang="en-US" sz="1800" spc="-1" strike="noStrike">
+          <a:bodyPr lIns="0" tIns="0" rIns="0" bIns="0" anchor="ctr"/>
+          <a:lstStyle/>
+          <a:p>
+            <a:endParaRPr lang="en-US" sz="1800" b="0" strike="noStrike" spc="-1">
               <a:solidFill>
                 <a:srgbClr val="000000"/>
               </a:solidFill>
@@ -1227,10 +1384,11 @@
           </a:prstGeom>
         </p:spPr>
         <p:txBody>
-          <a:bodyPr lIns="0" rIns="0" tIns="0" bIns="0" anchor="ctr"/>
+          <a:bodyPr lIns="0" tIns="0" rIns="0" bIns="0" anchor="ctr"/>
+          <a:lstStyle/>
           <a:p>
             <a:pPr algn="ctr"/>
-            <a:endParaRPr b="0" lang="en-US" sz="3200" spc="-1" strike="noStrike">
+            <a:endParaRPr lang="en-US" sz="3200" b="0" strike="noStrike" spc="-1">
               <a:latin typeface="Arial"/>
             </a:endParaRPr>
           </a:p>
@@ -1238,11 +1396,14 @@
       </p:sp>
     </p:spTree>
   </p:cSld>
+  <p:clrMapOvr>
+    <a:masterClrMapping/>
+  </p:clrMapOvr>
 </p:sldLayout>
 </file>
 
 <file path=ppt/slideLayouts/slideLayout20.xml><?xml version="1.0" encoding="utf-8"?>
-<p:sldLayout xmlns:a="http://schemas.openxmlformats.org/drawingml/2006/main" xmlns:p="http://schemas.openxmlformats.org/presentationml/2006/main" xmlns:r="http://schemas.openxmlformats.org/officeDocument/2006/relationships" xmlns:p14="http://schemas.microsoft.com/office/powerpoint/2010/main" xmlns:p15="http://schemas.microsoft.com/office/powerpoint/2012/main" xmlns:mc="http://schemas.openxmlformats.org/markup-compatibility/2006" type="objAndTwoObj" preserve="1">
+<p:sldLayout xmlns:a="http://schemas.openxmlformats.org/drawingml/2006/main" xmlns:r="http://schemas.openxmlformats.org/officeDocument/2006/relationships" xmlns:p="http://schemas.openxmlformats.org/presentationml/2006/main" type="objAndTwoObj" preserve="1">
   <p:cSld name="Title Content and 2 Content">
     <p:spTree>
       <p:nvGrpSpPr>
@@ -1278,9 +1439,10 @@
           </a:prstGeom>
         </p:spPr>
         <p:txBody>
-          <a:bodyPr lIns="0" rIns="0" tIns="0" bIns="0" anchor="ctr"/>
-          <a:p>
-            <a:endParaRPr b="0" lang="en-US" sz="1800" spc="-1" strike="noStrike">
+          <a:bodyPr lIns="0" tIns="0" rIns="0" bIns="0" anchor="ctr"/>
+          <a:lstStyle/>
+          <a:p>
+            <a:endParaRPr lang="en-US" sz="1800" b="0" strike="noStrike" spc="-1">
               <a:solidFill>
                 <a:srgbClr val="000000"/>
               </a:solidFill>
@@ -1309,11 +1471,12 @@
           </a:prstGeom>
         </p:spPr>
         <p:txBody>
-          <a:bodyPr lIns="0" rIns="0" tIns="0" bIns="0">
+          <a:bodyPr lIns="0" tIns="0" rIns="0" bIns="0">
             <a:normAutofit/>
           </a:bodyPr>
-          <a:p>
-            <a:endParaRPr b="0" lang="en-US" sz="2000" spc="-1" strike="noStrike">
+          <a:lstStyle/>
+          <a:p>
+            <a:endParaRPr lang="en-US" sz="2000" b="0" strike="noStrike" spc="-1">
               <a:solidFill>
                 <a:srgbClr val="000000"/>
               </a:solidFill>
@@ -1342,11 +1505,12 @@
           </a:prstGeom>
         </p:spPr>
         <p:txBody>
-          <a:bodyPr lIns="0" rIns="0" tIns="0" bIns="0">
+          <a:bodyPr lIns="0" tIns="0" rIns="0" bIns="0">
             <a:normAutofit/>
           </a:bodyPr>
-          <a:p>
-            <a:endParaRPr b="0" lang="en-US" sz="2000" spc="-1" strike="noStrike">
+          <a:lstStyle/>
+          <a:p>
+            <a:endParaRPr lang="en-US" sz="2000" b="0" strike="noStrike" spc="-1">
               <a:solidFill>
                 <a:srgbClr val="000000"/>
               </a:solidFill>
@@ -1375,11 +1539,12 @@
           </a:prstGeom>
         </p:spPr>
         <p:txBody>
-          <a:bodyPr lIns="0" rIns="0" tIns="0" bIns="0">
+          <a:bodyPr lIns="0" tIns="0" rIns="0" bIns="0">
             <a:normAutofit/>
           </a:bodyPr>
-          <a:p>
-            <a:endParaRPr b="0" lang="en-US" sz="2000" spc="-1" strike="noStrike">
+          <a:lstStyle/>
+          <a:p>
+            <a:endParaRPr lang="en-US" sz="2000" b="0" strike="noStrike" spc="-1">
               <a:solidFill>
                 <a:srgbClr val="000000"/>
               </a:solidFill>
@@ -1390,11 +1555,14 @@
       </p:sp>
     </p:spTree>
   </p:cSld>
+  <p:clrMapOvr>
+    <a:masterClrMapping/>
+  </p:clrMapOvr>
 </p:sldLayout>
 </file>
 
 <file path=ppt/slideLayouts/slideLayout21.xml><?xml version="1.0" encoding="utf-8"?>
-<p:sldLayout xmlns:a="http://schemas.openxmlformats.org/drawingml/2006/main" xmlns:p="http://schemas.openxmlformats.org/presentationml/2006/main" xmlns:r="http://schemas.openxmlformats.org/officeDocument/2006/relationships" xmlns:p14="http://schemas.microsoft.com/office/powerpoint/2010/main" xmlns:p15="http://schemas.microsoft.com/office/powerpoint/2012/main" xmlns:mc="http://schemas.openxmlformats.org/markup-compatibility/2006" type="twoObjOverTx" preserve="1">
+<p:sldLayout xmlns:a="http://schemas.openxmlformats.org/drawingml/2006/main" xmlns:r="http://schemas.openxmlformats.org/officeDocument/2006/relationships" xmlns:p="http://schemas.openxmlformats.org/presentationml/2006/main" type="twoObjOverTx" preserve="1">
   <p:cSld name="Title, 2 Content over Content">
     <p:spTree>
       <p:nvGrpSpPr>
@@ -1430,9 +1598,10 @@
           </a:prstGeom>
         </p:spPr>
         <p:txBody>
-          <a:bodyPr lIns="0" rIns="0" tIns="0" bIns="0" anchor="ctr"/>
-          <a:p>
-            <a:endParaRPr b="0" lang="en-US" sz="1800" spc="-1" strike="noStrike">
+          <a:bodyPr lIns="0" tIns="0" rIns="0" bIns="0" anchor="ctr"/>
+          <a:lstStyle/>
+          <a:p>
+            <a:endParaRPr lang="en-US" sz="1800" b="0" strike="noStrike" spc="-1">
               <a:solidFill>
                 <a:srgbClr val="000000"/>
               </a:solidFill>
@@ -1461,11 +1630,12 @@
           </a:prstGeom>
         </p:spPr>
         <p:txBody>
-          <a:bodyPr lIns="0" rIns="0" tIns="0" bIns="0">
+          <a:bodyPr lIns="0" tIns="0" rIns="0" bIns="0">
             <a:normAutofit/>
           </a:bodyPr>
-          <a:p>
-            <a:endParaRPr b="0" lang="en-US" sz="2000" spc="-1" strike="noStrike">
+          <a:lstStyle/>
+          <a:p>
+            <a:endParaRPr lang="en-US" sz="2000" b="0" strike="noStrike" spc="-1">
               <a:solidFill>
                 <a:srgbClr val="000000"/>
               </a:solidFill>
@@ -1494,11 +1664,12 @@
           </a:prstGeom>
         </p:spPr>
         <p:txBody>
-          <a:bodyPr lIns="0" rIns="0" tIns="0" bIns="0">
+          <a:bodyPr lIns="0" tIns="0" rIns="0" bIns="0">
             <a:normAutofit/>
           </a:bodyPr>
-          <a:p>
-            <a:endParaRPr b="0" lang="en-US" sz="2000" spc="-1" strike="noStrike">
+          <a:lstStyle/>
+          <a:p>
+            <a:endParaRPr lang="en-US" sz="2000" b="0" strike="noStrike" spc="-1">
               <a:solidFill>
                 <a:srgbClr val="000000"/>
               </a:solidFill>
@@ -1527,11 +1698,12 @@
           </a:prstGeom>
         </p:spPr>
         <p:txBody>
-          <a:bodyPr lIns="0" rIns="0" tIns="0" bIns="0">
+          <a:bodyPr lIns="0" tIns="0" rIns="0" bIns="0">
             <a:normAutofit/>
           </a:bodyPr>
-          <a:p>
-            <a:endParaRPr b="0" lang="en-US" sz="2000" spc="-1" strike="noStrike">
+          <a:lstStyle/>
+          <a:p>
+            <a:endParaRPr lang="en-US" sz="2000" b="0" strike="noStrike" spc="-1">
               <a:solidFill>
                 <a:srgbClr val="000000"/>
               </a:solidFill>
@@ -1542,11 +1714,14 @@
       </p:sp>
     </p:spTree>
   </p:cSld>
+  <p:clrMapOvr>
+    <a:masterClrMapping/>
+  </p:clrMapOvr>
 </p:sldLayout>
 </file>
 
 <file path=ppt/slideLayouts/slideLayout22.xml><?xml version="1.0" encoding="utf-8"?>
-<p:sldLayout xmlns:a="http://schemas.openxmlformats.org/drawingml/2006/main" xmlns:p="http://schemas.openxmlformats.org/presentationml/2006/main" xmlns:r="http://schemas.openxmlformats.org/officeDocument/2006/relationships" xmlns:p14="http://schemas.microsoft.com/office/powerpoint/2010/main" xmlns:p15="http://schemas.microsoft.com/office/powerpoint/2012/main" xmlns:mc="http://schemas.openxmlformats.org/markup-compatibility/2006" type="objOverTx" preserve="1">
+<p:sldLayout xmlns:a="http://schemas.openxmlformats.org/drawingml/2006/main" xmlns:r="http://schemas.openxmlformats.org/officeDocument/2006/relationships" xmlns:p="http://schemas.openxmlformats.org/presentationml/2006/main" type="objOverTx" preserve="1">
   <p:cSld name="Title, Content over Content">
     <p:spTree>
       <p:nvGrpSpPr>
@@ -1582,9 +1757,10 @@
           </a:prstGeom>
         </p:spPr>
         <p:txBody>
-          <a:bodyPr lIns="0" rIns="0" tIns="0" bIns="0" anchor="ctr"/>
-          <a:p>
-            <a:endParaRPr b="0" lang="en-US" sz="1800" spc="-1" strike="noStrike">
+          <a:bodyPr lIns="0" tIns="0" rIns="0" bIns="0" anchor="ctr"/>
+          <a:lstStyle/>
+          <a:p>
+            <a:endParaRPr lang="en-US" sz="1800" b="0" strike="noStrike" spc="-1">
               <a:solidFill>
                 <a:srgbClr val="000000"/>
               </a:solidFill>
@@ -1613,11 +1789,12 @@
           </a:prstGeom>
         </p:spPr>
         <p:txBody>
-          <a:bodyPr lIns="0" rIns="0" tIns="0" bIns="0">
+          <a:bodyPr lIns="0" tIns="0" rIns="0" bIns="0">
             <a:normAutofit/>
           </a:bodyPr>
-          <a:p>
-            <a:endParaRPr b="0" lang="en-US" sz="2000" spc="-1" strike="noStrike">
+          <a:lstStyle/>
+          <a:p>
+            <a:endParaRPr lang="en-US" sz="2000" b="0" strike="noStrike" spc="-1">
               <a:solidFill>
                 <a:srgbClr val="000000"/>
               </a:solidFill>
@@ -1646,11 +1823,12 @@
           </a:prstGeom>
         </p:spPr>
         <p:txBody>
-          <a:bodyPr lIns="0" rIns="0" tIns="0" bIns="0">
+          <a:bodyPr lIns="0" tIns="0" rIns="0" bIns="0">
             <a:normAutofit/>
           </a:bodyPr>
-          <a:p>
-            <a:endParaRPr b="0" lang="en-US" sz="2000" spc="-1" strike="noStrike">
+          <a:lstStyle/>
+          <a:p>
+            <a:endParaRPr lang="en-US" sz="2000" b="0" strike="noStrike" spc="-1">
               <a:solidFill>
                 <a:srgbClr val="000000"/>
               </a:solidFill>
@@ -1661,11 +1839,14 @@
       </p:sp>
     </p:spTree>
   </p:cSld>
+  <p:clrMapOvr>
+    <a:masterClrMapping/>
+  </p:clrMapOvr>
 </p:sldLayout>
 </file>
 
 <file path=ppt/slideLayouts/slideLayout23.xml><?xml version="1.0" encoding="utf-8"?>
-<p:sldLayout xmlns:a="http://schemas.openxmlformats.org/drawingml/2006/main" xmlns:p="http://schemas.openxmlformats.org/presentationml/2006/main" xmlns:r="http://schemas.openxmlformats.org/officeDocument/2006/relationships" xmlns:p14="http://schemas.microsoft.com/office/powerpoint/2010/main" xmlns:p15="http://schemas.microsoft.com/office/powerpoint/2012/main" xmlns:mc="http://schemas.openxmlformats.org/markup-compatibility/2006" type="fourObj" preserve="1">
+<p:sldLayout xmlns:a="http://schemas.openxmlformats.org/drawingml/2006/main" xmlns:r="http://schemas.openxmlformats.org/officeDocument/2006/relationships" xmlns:p="http://schemas.openxmlformats.org/presentationml/2006/main" type="fourObj" preserve="1">
   <p:cSld name="Title, 4 Content">
     <p:spTree>
       <p:nvGrpSpPr>
@@ -1701,9 +1882,10 @@
           </a:prstGeom>
         </p:spPr>
         <p:txBody>
-          <a:bodyPr lIns="0" rIns="0" tIns="0" bIns="0" anchor="ctr"/>
-          <a:p>
-            <a:endParaRPr b="0" lang="en-US" sz="1800" spc="-1" strike="noStrike">
+          <a:bodyPr lIns="0" tIns="0" rIns="0" bIns="0" anchor="ctr"/>
+          <a:lstStyle/>
+          <a:p>
+            <a:endParaRPr lang="en-US" sz="1800" b="0" strike="noStrike" spc="-1">
               <a:solidFill>
                 <a:srgbClr val="000000"/>
               </a:solidFill>
@@ -1732,11 +1914,12 @@
           </a:prstGeom>
         </p:spPr>
         <p:txBody>
-          <a:bodyPr lIns="0" rIns="0" tIns="0" bIns="0">
+          <a:bodyPr lIns="0" tIns="0" rIns="0" bIns="0">
             <a:normAutofit/>
           </a:bodyPr>
-          <a:p>
-            <a:endParaRPr b="0" lang="en-US" sz="2000" spc="-1" strike="noStrike">
+          <a:lstStyle/>
+          <a:p>
+            <a:endParaRPr lang="en-US" sz="2000" b="0" strike="noStrike" spc="-1">
               <a:solidFill>
                 <a:srgbClr val="000000"/>
               </a:solidFill>
@@ -1765,11 +1948,12 @@
           </a:prstGeom>
         </p:spPr>
         <p:txBody>
-          <a:bodyPr lIns="0" rIns="0" tIns="0" bIns="0">
+          <a:bodyPr lIns="0" tIns="0" rIns="0" bIns="0">
             <a:normAutofit/>
           </a:bodyPr>
-          <a:p>
-            <a:endParaRPr b="0" lang="en-US" sz="2000" spc="-1" strike="noStrike">
+          <a:lstStyle/>
+          <a:p>
+            <a:endParaRPr lang="en-US" sz="2000" b="0" strike="noStrike" spc="-1">
               <a:solidFill>
                 <a:srgbClr val="000000"/>
               </a:solidFill>
@@ -1798,11 +1982,12 @@
           </a:prstGeom>
         </p:spPr>
         <p:txBody>
-          <a:bodyPr lIns="0" rIns="0" tIns="0" bIns="0">
+          <a:bodyPr lIns="0" tIns="0" rIns="0" bIns="0">
             <a:normAutofit/>
           </a:bodyPr>
-          <a:p>
-            <a:endParaRPr b="0" lang="en-US" sz="2000" spc="-1" strike="noStrike">
+          <a:lstStyle/>
+          <a:p>
+            <a:endParaRPr lang="en-US" sz="2000" b="0" strike="noStrike" spc="-1">
               <a:solidFill>
                 <a:srgbClr val="000000"/>
               </a:solidFill>
@@ -1831,11 +2016,12 @@
           </a:prstGeom>
         </p:spPr>
         <p:txBody>
-          <a:bodyPr lIns="0" rIns="0" tIns="0" bIns="0">
+          <a:bodyPr lIns="0" tIns="0" rIns="0" bIns="0">
             <a:normAutofit/>
           </a:bodyPr>
-          <a:p>
-            <a:endParaRPr b="0" lang="en-US" sz="2000" spc="-1" strike="noStrike">
+          <a:lstStyle/>
+          <a:p>
+            <a:endParaRPr lang="en-US" sz="2000" b="0" strike="noStrike" spc="-1">
               <a:solidFill>
                 <a:srgbClr val="000000"/>
               </a:solidFill>
@@ -1846,11 +2032,14 @@
       </p:sp>
     </p:spTree>
   </p:cSld>
+  <p:clrMapOvr>
+    <a:masterClrMapping/>
+  </p:clrMapOvr>
 </p:sldLayout>
 </file>
 
 <file path=ppt/slideLayouts/slideLayout24.xml><?xml version="1.0" encoding="utf-8"?>
-<p:sldLayout xmlns:a="http://schemas.openxmlformats.org/drawingml/2006/main" xmlns:p="http://schemas.openxmlformats.org/presentationml/2006/main" xmlns:r="http://schemas.openxmlformats.org/officeDocument/2006/relationships" xmlns:p14="http://schemas.microsoft.com/office/powerpoint/2010/main" xmlns:p15="http://schemas.microsoft.com/office/powerpoint/2012/main" xmlns:mc="http://schemas.openxmlformats.org/markup-compatibility/2006" type="blank" preserve="1">
+<p:sldLayout xmlns:a="http://schemas.openxmlformats.org/drawingml/2006/main" xmlns:r="http://schemas.openxmlformats.org/officeDocument/2006/relationships" xmlns:p="http://schemas.openxmlformats.org/presentationml/2006/main" type="blank" preserve="1">
   <p:cSld name="Title, 6 Content">
     <p:spTree>
       <p:nvGrpSpPr>
@@ -1886,9 +2075,10 @@
           </a:prstGeom>
         </p:spPr>
         <p:txBody>
-          <a:bodyPr lIns="0" rIns="0" tIns="0" bIns="0" anchor="ctr"/>
-          <a:p>
-            <a:endParaRPr b="0" lang="en-US" sz="1800" spc="-1" strike="noStrike">
+          <a:bodyPr lIns="0" tIns="0" rIns="0" bIns="0" anchor="ctr"/>
+          <a:lstStyle/>
+          <a:p>
+            <a:endParaRPr lang="en-US" sz="1800" b="0" strike="noStrike" spc="-1">
               <a:solidFill>
                 <a:srgbClr val="000000"/>
               </a:solidFill>
@@ -1917,11 +2107,12 @@
           </a:prstGeom>
         </p:spPr>
         <p:txBody>
-          <a:bodyPr lIns="0" rIns="0" tIns="0" bIns="0">
+          <a:bodyPr lIns="0" tIns="0" rIns="0" bIns="0">
             <a:normAutofit/>
           </a:bodyPr>
-          <a:p>
-            <a:endParaRPr b="0" lang="en-US" sz="2000" spc="-1" strike="noStrike">
+          <a:lstStyle/>
+          <a:p>
+            <a:endParaRPr lang="en-US" sz="2000" b="0" strike="noStrike" spc="-1">
               <a:solidFill>
                 <a:srgbClr val="000000"/>
               </a:solidFill>
@@ -1950,11 +2141,12 @@
           </a:prstGeom>
         </p:spPr>
         <p:txBody>
-          <a:bodyPr lIns="0" rIns="0" tIns="0" bIns="0">
+          <a:bodyPr lIns="0" tIns="0" rIns="0" bIns="0">
             <a:normAutofit/>
           </a:bodyPr>
-          <a:p>
-            <a:endParaRPr b="0" lang="en-US" sz="2000" spc="-1" strike="noStrike">
+          <a:lstStyle/>
+          <a:p>
+            <a:endParaRPr lang="en-US" sz="2000" b="0" strike="noStrike" spc="-1">
               <a:solidFill>
                 <a:srgbClr val="000000"/>
               </a:solidFill>
@@ -1983,11 +2175,12 @@
           </a:prstGeom>
         </p:spPr>
         <p:txBody>
-          <a:bodyPr lIns="0" rIns="0" tIns="0" bIns="0">
+          <a:bodyPr lIns="0" tIns="0" rIns="0" bIns="0">
             <a:normAutofit/>
           </a:bodyPr>
-          <a:p>
-            <a:endParaRPr b="0" lang="en-US" sz="2000" spc="-1" strike="noStrike">
+          <a:lstStyle/>
+          <a:p>
+            <a:endParaRPr lang="en-US" sz="2000" b="0" strike="noStrike" spc="-1">
               <a:solidFill>
                 <a:srgbClr val="000000"/>
               </a:solidFill>
@@ -2016,11 +2209,12 @@
           </a:prstGeom>
         </p:spPr>
         <p:txBody>
-          <a:bodyPr lIns="0" rIns="0" tIns="0" bIns="0">
+          <a:bodyPr lIns="0" tIns="0" rIns="0" bIns="0">
             <a:normAutofit/>
           </a:bodyPr>
-          <a:p>
-            <a:endParaRPr b="0" lang="en-US" sz="2000" spc="-1" strike="noStrike">
+          <a:lstStyle/>
+          <a:p>
+            <a:endParaRPr lang="en-US" sz="2000" b="0" strike="noStrike" spc="-1">
               <a:solidFill>
                 <a:srgbClr val="000000"/>
               </a:solidFill>
@@ -2049,11 +2243,12 @@
           </a:prstGeom>
         </p:spPr>
         <p:txBody>
-          <a:bodyPr lIns="0" rIns="0" tIns="0" bIns="0">
+          <a:bodyPr lIns="0" tIns="0" rIns="0" bIns="0">
             <a:normAutofit/>
           </a:bodyPr>
-          <a:p>
-            <a:endParaRPr b="0" lang="en-US" sz="2000" spc="-1" strike="noStrike">
+          <a:lstStyle/>
+          <a:p>
+            <a:endParaRPr lang="en-US" sz="2000" b="0" strike="noStrike" spc="-1">
               <a:solidFill>
                 <a:srgbClr val="000000"/>
               </a:solidFill>
@@ -2082,11 +2277,12 @@
           </a:prstGeom>
         </p:spPr>
         <p:txBody>
-          <a:bodyPr lIns="0" rIns="0" tIns="0" bIns="0">
+          <a:bodyPr lIns="0" tIns="0" rIns="0" bIns="0">
             <a:normAutofit/>
           </a:bodyPr>
-          <a:p>
-            <a:endParaRPr b="0" lang="en-US" sz="2000" spc="-1" strike="noStrike">
+          <a:lstStyle/>
+          <a:p>
+            <a:endParaRPr lang="en-US" sz="2000" b="0" strike="noStrike" spc="-1">
               <a:solidFill>
                 <a:srgbClr val="000000"/>
               </a:solidFill>
@@ -2097,11 +2293,14 @@
       </p:sp>
     </p:spTree>
   </p:cSld>
+  <p:clrMapOvr>
+    <a:masterClrMapping/>
+  </p:clrMapOvr>
 </p:sldLayout>
 </file>
 
 <file path=ppt/slideLayouts/slideLayout3.xml><?xml version="1.0" encoding="utf-8"?>
-<p:sldLayout xmlns:a="http://schemas.openxmlformats.org/drawingml/2006/main" xmlns:p="http://schemas.openxmlformats.org/presentationml/2006/main" xmlns:r="http://schemas.openxmlformats.org/officeDocument/2006/relationships" xmlns:p14="http://schemas.microsoft.com/office/powerpoint/2010/main" xmlns:p15="http://schemas.microsoft.com/office/powerpoint/2012/main" xmlns:mc="http://schemas.openxmlformats.org/markup-compatibility/2006" type="obj" preserve="1">
+<p:sldLayout xmlns:a="http://schemas.openxmlformats.org/drawingml/2006/main" xmlns:r="http://schemas.openxmlformats.org/officeDocument/2006/relationships" xmlns:p="http://schemas.openxmlformats.org/presentationml/2006/main" type="obj" preserve="1">
   <p:cSld name="Title, Content">
     <p:spTree>
       <p:nvGrpSpPr>
@@ -2137,9 +2336,10 @@
           </a:prstGeom>
         </p:spPr>
         <p:txBody>
-          <a:bodyPr lIns="0" rIns="0" tIns="0" bIns="0" anchor="ctr"/>
-          <a:p>
-            <a:endParaRPr b="0" lang="en-US" sz="1800" spc="-1" strike="noStrike">
+          <a:bodyPr lIns="0" tIns="0" rIns="0" bIns="0" anchor="ctr"/>
+          <a:lstStyle/>
+          <a:p>
+            <a:endParaRPr lang="en-US" sz="1800" b="0" strike="noStrike" spc="-1">
               <a:solidFill>
                 <a:srgbClr val="000000"/>
               </a:solidFill>
@@ -2168,11 +2368,12 @@
           </a:prstGeom>
         </p:spPr>
         <p:txBody>
-          <a:bodyPr lIns="0" rIns="0" tIns="0" bIns="0">
+          <a:bodyPr lIns="0" tIns="0" rIns="0" bIns="0">
             <a:normAutofit/>
           </a:bodyPr>
-          <a:p>
-            <a:endParaRPr b="0" lang="en-US" sz="2000" spc="-1" strike="noStrike">
+          <a:lstStyle/>
+          <a:p>
+            <a:endParaRPr lang="en-US" sz="2000" b="0" strike="noStrike" spc="-1">
               <a:solidFill>
                 <a:srgbClr val="000000"/>
               </a:solidFill>
@@ -2183,11 +2384,14 @@
       </p:sp>
     </p:spTree>
   </p:cSld>
+  <p:clrMapOvr>
+    <a:masterClrMapping/>
+  </p:clrMapOvr>
 </p:sldLayout>
 </file>
 
 <file path=ppt/slideLayouts/slideLayout4.xml><?xml version="1.0" encoding="utf-8"?>
-<p:sldLayout xmlns:a="http://schemas.openxmlformats.org/drawingml/2006/main" xmlns:p="http://schemas.openxmlformats.org/presentationml/2006/main" xmlns:r="http://schemas.openxmlformats.org/officeDocument/2006/relationships" xmlns:p14="http://schemas.microsoft.com/office/powerpoint/2010/main" xmlns:p15="http://schemas.microsoft.com/office/powerpoint/2012/main" xmlns:mc="http://schemas.openxmlformats.org/markup-compatibility/2006" type="twoObj" preserve="1">
+<p:sldLayout xmlns:a="http://schemas.openxmlformats.org/drawingml/2006/main" xmlns:r="http://schemas.openxmlformats.org/officeDocument/2006/relationships" xmlns:p="http://schemas.openxmlformats.org/presentationml/2006/main" type="twoObj" preserve="1">
   <p:cSld name="Title, 2 Content">
     <p:spTree>
       <p:nvGrpSpPr>
@@ -2223,9 +2427,10 @@
           </a:prstGeom>
         </p:spPr>
         <p:txBody>
-          <a:bodyPr lIns="0" rIns="0" tIns="0" bIns="0" anchor="ctr"/>
-          <a:p>
-            <a:endParaRPr b="0" lang="en-US" sz="1800" spc="-1" strike="noStrike">
+          <a:bodyPr lIns="0" tIns="0" rIns="0" bIns="0" anchor="ctr"/>
+          <a:lstStyle/>
+          <a:p>
+            <a:endParaRPr lang="en-US" sz="1800" b="0" strike="noStrike" spc="-1">
               <a:solidFill>
                 <a:srgbClr val="000000"/>
               </a:solidFill>
@@ -2254,11 +2459,12 @@
           </a:prstGeom>
         </p:spPr>
         <p:txBody>
-          <a:bodyPr lIns="0" rIns="0" tIns="0" bIns="0">
+          <a:bodyPr lIns="0" tIns="0" rIns="0" bIns="0">
             <a:normAutofit/>
           </a:bodyPr>
-          <a:p>
-            <a:endParaRPr b="0" lang="en-US" sz="2000" spc="-1" strike="noStrike">
+          <a:lstStyle/>
+          <a:p>
+            <a:endParaRPr lang="en-US" sz="2000" b="0" strike="noStrike" spc="-1">
               <a:solidFill>
                 <a:srgbClr val="000000"/>
               </a:solidFill>
@@ -2287,11 +2493,12 @@
           </a:prstGeom>
         </p:spPr>
         <p:txBody>
-          <a:bodyPr lIns="0" rIns="0" tIns="0" bIns="0">
+          <a:bodyPr lIns="0" tIns="0" rIns="0" bIns="0">
             <a:normAutofit/>
           </a:bodyPr>
-          <a:p>
-            <a:endParaRPr b="0" lang="en-US" sz="2000" spc="-1" strike="noStrike">
+          <a:lstStyle/>
+          <a:p>
+            <a:endParaRPr lang="en-US" sz="2000" b="0" strike="noStrike" spc="-1">
               <a:solidFill>
                 <a:srgbClr val="000000"/>
               </a:solidFill>
@@ -2302,11 +2509,14 @@
       </p:sp>
     </p:spTree>
   </p:cSld>
+  <p:clrMapOvr>
+    <a:masterClrMapping/>
+  </p:clrMapOvr>
 </p:sldLayout>
 </file>
 
 <file path=ppt/slideLayouts/slideLayout5.xml><?xml version="1.0" encoding="utf-8"?>
-<p:sldLayout xmlns:a="http://schemas.openxmlformats.org/drawingml/2006/main" xmlns:p="http://schemas.openxmlformats.org/presentationml/2006/main" xmlns:r="http://schemas.openxmlformats.org/officeDocument/2006/relationships" xmlns:p14="http://schemas.microsoft.com/office/powerpoint/2010/main" xmlns:p15="http://schemas.microsoft.com/office/powerpoint/2012/main" xmlns:mc="http://schemas.openxmlformats.org/markup-compatibility/2006" type="titleOnly" preserve="1">
+<p:sldLayout xmlns:a="http://schemas.openxmlformats.org/drawingml/2006/main" xmlns:r="http://schemas.openxmlformats.org/officeDocument/2006/relationships" xmlns:p="http://schemas.openxmlformats.org/presentationml/2006/main" type="titleOnly" preserve="1">
   <p:cSld name="Title Only">
     <p:spTree>
       <p:nvGrpSpPr>
@@ -2342,9 +2552,10 @@
           </a:prstGeom>
         </p:spPr>
         <p:txBody>
-          <a:bodyPr lIns="0" rIns="0" tIns="0" bIns="0" anchor="ctr"/>
-          <a:p>
-            <a:endParaRPr b="0" lang="en-US" sz="1800" spc="-1" strike="noStrike">
+          <a:bodyPr lIns="0" tIns="0" rIns="0" bIns="0" anchor="ctr"/>
+          <a:lstStyle/>
+          <a:p>
+            <a:endParaRPr lang="en-US" sz="1800" b="0" strike="noStrike" spc="-1">
               <a:solidFill>
                 <a:srgbClr val="000000"/>
               </a:solidFill>
@@ -2355,11 +2566,14 @@
       </p:sp>
     </p:spTree>
   </p:cSld>
+  <p:clrMapOvr>
+    <a:masterClrMapping/>
+  </p:clrMapOvr>
 </p:sldLayout>
 </file>
 
 <file path=ppt/slideLayouts/slideLayout6.xml><?xml version="1.0" encoding="utf-8"?>
-<p:sldLayout xmlns:a="http://schemas.openxmlformats.org/drawingml/2006/main" xmlns:p="http://schemas.openxmlformats.org/presentationml/2006/main" xmlns:r="http://schemas.openxmlformats.org/officeDocument/2006/relationships" xmlns:p14="http://schemas.microsoft.com/office/powerpoint/2010/main" xmlns:p15="http://schemas.microsoft.com/office/powerpoint/2012/main" xmlns:mc="http://schemas.openxmlformats.org/markup-compatibility/2006" type="objOnly" preserve="1">
+<p:sldLayout xmlns:a="http://schemas.openxmlformats.org/drawingml/2006/main" xmlns:r="http://schemas.openxmlformats.org/officeDocument/2006/relationships" xmlns:p="http://schemas.openxmlformats.org/presentationml/2006/main" type="objOnly" preserve="1">
   <p:cSld name="Centered Text">
     <p:spTree>
       <p:nvGrpSpPr>
@@ -2395,10 +2609,11 @@
           </a:prstGeom>
         </p:spPr>
         <p:txBody>
-          <a:bodyPr lIns="0" rIns="0" tIns="0" bIns="0" anchor="ctr"/>
+          <a:bodyPr lIns="0" tIns="0" rIns="0" bIns="0" anchor="ctr"/>
+          <a:lstStyle/>
           <a:p>
             <a:pPr algn="ctr"/>
-            <a:endParaRPr b="0" lang="en-US" sz="3200" spc="-1" strike="noStrike">
+            <a:endParaRPr lang="en-US" sz="3200" b="0" strike="noStrike" spc="-1">
               <a:latin typeface="Arial"/>
             </a:endParaRPr>
           </a:p>
@@ -2406,11 +2621,14 @@
       </p:sp>
     </p:spTree>
   </p:cSld>
+  <p:clrMapOvr>
+    <a:masterClrMapping/>
+  </p:clrMapOvr>
 </p:sldLayout>
 </file>
 
 <file path=ppt/slideLayouts/slideLayout7.xml><?xml version="1.0" encoding="utf-8"?>
-<p:sldLayout xmlns:a="http://schemas.openxmlformats.org/drawingml/2006/main" xmlns:p="http://schemas.openxmlformats.org/presentationml/2006/main" xmlns:r="http://schemas.openxmlformats.org/officeDocument/2006/relationships" xmlns:p14="http://schemas.microsoft.com/office/powerpoint/2010/main" xmlns:p15="http://schemas.microsoft.com/office/powerpoint/2012/main" xmlns:mc="http://schemas.openxmlformats.org/markup-compatibility/2006" type="twoObjAndObj" preserve="1">
+<p:sldLayout xmlns:a="http://schemas.openxmlformats.org/drawingml/2006/main" xmlns:r="http://schemas.openxmlformats.org/officeDocument/2006/relationships" xmlns:p="http://schemas.openxmlformats.org/presentationml/2006/main" type="twoObjAndObj" preserve="1">
   <p:cSld name="Title, 2 Content and Content">
     <p:spTree>
       <p:nvGrpSpPr>
@@ -2446,9 +2664,10 @@
           </a:prstGeom>
         </p:spPr>
         <p:txBody>
-          <a:bodyPr lIns="0" rIns="0" tIns="0" bIns="0" anchor="ctr"/>
-          <a:p>
-            <a:endParaRPr b="0" lang="en-US" sz="1800" spc="-1" strike="noStrike">
+          <a:bodyPr lIns="0" tIns="0" rIns="0" bIns="0" anchor="ctr"/>
+          <a:lstStyle/>
+          <a:p>
+            <a:endParaRPr lang="en-US" sz="1800" b="0" strike="noStrike" spc="-1">
               <a:solidFill>
                 <a:srgbClr val="000000"/>
               </a:solidFill>
@@ -2477,11 +2696,12 @@
           </a:prstGeom>
         </p:spPr>
         <p:txBody>
-          <a:bodyPr lIns="0" rIns="0" tIns="0" bIns="0">
+          <a:bodyPr lIns="0" tIns="0" rIns="0" bIns="0">
             <a:normAutofit/>
           </a:bodyPr>
-          <a:p>
-            <a:endParaRPr b="0" lang="en-US" sz="2000" spc="-1" strike="noStrike">
+          <a:lstStyle/>
+          <a:p>
+            <a:endParaRPr lang="en-US" sz="2000" b="0" strike="noStrike" spc="-1">
               <a:solidFill>
                 <a:srgbClr val="000000"/>
               </a:solidFill>
@@ -2510,11 +2730,12 @@
           </a:prstGeom>
         </p:spPr>
         <p:txBody>
-          <a:bodyPr lIns="0" rIns="0" tIns="0" bIns="0">
+          <a:bodyPr lIns="0" tIns="0" rIns="0" bIns="0">
             <a:normAutofit/>
           </a:bodyPr>
-          <a:p>
-            <a:endParaRPr b="0" lang="en-US" sz="2000" spc="-1" strike="noStrike">
+          <a:lstStyle/>
+          <a:p>
+            <a:endParaRPr lang="en-US" sz="2000" b="0" strike="noStrike" spc="-1">
               <a:solidFill>
                 <a:srgbClr val="000000"/>
               </a:solidFill>
@@ -2543,11 +2764,12 @@
           </a:prstGeom>
         </p:spPr>
         <p:txBody>
-          <a:bodyPr lIns="0" rIns="0" tIns="0" bIns="0">
+          <a:bodyPr lIns="0" tIns="0" rIns="0" bIns="0">
             <a:normAutofit/>
           </a:bodyPr>
-          <a:p>
-            <a:endParaRPr b="0" lang="en-US" sz="2000" spc="-1" strike="noStrike">
+          <a:lstStyle/>
+          <a:p>
+            <a:endParaRPr lang="en-US" sz="2000" b="0" strike="noStrike" spc="-1">
               <a:solidFill>
                 <a:srgbClr val="000000"/>
               </a:solidFill>
@@ -2558,11 +2780,14 @@
       </p:sp>
     </p:spTree>
   </p:cSld>
+  <p:clrMapOvr>
+    <a:masterClrMapping/>
+  </p:clrMapOvr>
 </p:sldLayout>
 </file>
 
 <file path=ppt/slideLayouts/slideLayout8.xml><?xml version="1.0" encoding="utf-8"?>
-<p:sldLayout xmlns:a="http://schemas.openxmlformats.org/drawingml/2006/main" xmlns:p="http://schemas.openxmlformats.org/presentationml/2006/main" xmlns:r="http://schemas.openxmlformats.org/officeDocument/2006/relationships" xmlns:p14="http://schemas.microsoft.com/office/powerpoint/2010/main" xmlns:p15="http://schemas.microsoft.com/office/powerpoint/2012/main" xmlns:mc="http://schemas.openxmlformats.org/markup-compatibility/2006" type="objAndTwoObj" preserve="1">
+<p:sldLayout xmlns:a="http://schemas.openxmlformats.org/drawingml/2006/main" xmlns:r="http://schemas.openxmlformats.org/officeDocument/2006/relationships" xmlns:p="http://schemas.openxmlformats.org/presentationml/2006/main" type="objAndTwoObj" preserve="1">
   <p:cSld name="Title Content and 2 Content">
     <p:spTree>
       <p:nvGrpSpPr>
@@ -2598,9 +2823,10 @@
           </a:prstGeom>
         </p:spPr>
         <p:txBody>
-          <a:bodyPr lIns="0" rIns="0" tIns="0" bIns="0" anchor="ctr"/>
-          <a:p>
-            <a:endParaRPr b="0" lang="en-US" sz="1800" spc="-1" strike="noStrike">
+          <a:bodyPr lIns="0" tIns="0" rIns="0" bIns="0" anchor="ctr"/>
+          <a:lstStyle/>
+          <a:p>
+            <a:endParaRPr lang="en-US" sz="1800" b="0" strike="noStrike" spc="-1">
               <a:solidFill>
                 <a:srgbClr val="000000"/>
               </a:solidFill>
@@ -2629,11 +2855,12 @@
           </a:prstGeom>
         </p:spPr>
         <p:txBody>
-          <a:bodyPr lIns="0" rIns="0" tIns="0" bIns="0">
+          <a:bodyPr lIns="0" tIns="0" rIns="0" bIns="0">
             <a:normAutofit/>
           </a:bodyPr>
-          <a:p>
-            <a:endParaRPr b="0" lang="en-US" sz="2000" spc="-1" strike="noStrike">
+          <a:lstStyle/>
+          <a:p>
+            <a:endParaRPr lang="en-US" sz="2000" b="0" strike="noStrike" spc="-1">
               <a:solidFill>
                 <a:srgbClr val="000000"/>
               </a:solidFill>
@@ -2662,11 +2889,12 @@
           </a:prstGeom>
         </p:spPr>
         <p:txBody>
-          <a:bodyPr lIns="0" rIns="0" tIns="0" bIns="0">
+          <a:bodyPr lIns="0" tIns="0" rIns="0" bIns="0">
             <a:normAutofit/>
           </a:bodyPr>
-          <a:p>
-            <a:endParaRPr b="0" lang="en-US" sz="2000" spc="-1" strike="noStrike">
+          <a:lstStyle/>
+          <a:p>
+            <a:endParaRPr lang="en-US" sz="2000" b="0" strike="noStrike" spc="-1">
               <a:solidFill>
                 <a:srgbClr val="000000"/>
               </a:solidFill>
@@ -2695,11 +2923,12 @@
           </a:prstGeom>
         </p:spPr>
         <p:txBody>
-          <a:bodyPr lIns="0" rIns="0" tIns="0" bIns="0">
+          <a:bodyPr lIns="0" tIns="0" rIns="0" bIns="0">
             <a:normAutofit/>
           </a:bodyPr>
-          <a:p>
-            <a:endParaRPr b="0" lang="en-US" sz="2000" spc="-1" strike="noStrike">
+          <a:lstStyle/>
+          <a:p>
+            <a:endParaRPr lang="en-US" sz="2000" b="0" strike="noStrike" spc="-1">
               <a:solidFill>
                 <a:srgbClr val="000000"/>
               </a:solidFill>
@@ -2710,11 +2939,14 @@
       </p:sp>
     </p:spTree>
   </p:cSld>
+  <p:clrMapOvr>
+    <a:masterClrMapping/>
+  </p:clrMapOvr>
 </p:sldLayout>
 </file>
 
 <file path=ppt/slideLayouts/slideLayout9.xml><?xml version="1.0" encoding="utf-8"?>
-<p:sldLayout xmlns:a="http://schemas.openxmlformats.org/drawingml/2006/main" xmlns:p="http://schemas.openxmlformats.org/presentationml/2006/main" xmlns:r="http://schemas.openxmlformats.org/officeDocument/2006/relationships" xmlns:p14="http://schemas.microsoft.com/office/powerpoint/2010/main" xmlns:p15="http://schemas.microsoft.com/office/powerpoint/2012/main" xmlns:mc="http://schemas.openxmlformats.org/markup-compatibility/2006" type="twoObjOverTx" preserve="1">
+<p:sldLayout xmlns:a="http://schemas.openxmlformats.org/drawingml/2006/main" xmlns:r="http://schemas.openxmlformats.org/officeDocument/2006/relationships" xmlns:p="http://schemas.openxmlformats.org/presentationml/2006/main" type="twoObjOverTx" preserve="1">
   <p:cSld name="Title, 2 Content over Content">
     <p:spTree>
       <p:nvGrpSpPr>
@@ -2750,9 +2982,10 @@
           </a:prstGeom>
         </p:spPr>
         <p:txBody>
-          <a:bodyPr lIns="0" rIns="0" tIns="0" bIns="0" anchor="ctr"/>
-          <a:p>
-            <a:endParaRPr b="0" lang="en-US" sz="1800" spc="-1" strike="noStrike">
+          <a:bodyPr lIns="0" tIns="0" rIns="0" bIns="0" anchor="ctr"/>
+          <a:lstStyle/>
+          <a:p>
+            <a:endParaRPr lang="en-US" sz="1800" b="0" strike="noStrike" spc="-1">
               <a:solidFill>
                 <a:srgbClr val="000000"/>
               </a:solidFill>
@@ -2781,11 +3014,12 @@
           </a:prstGeom>
         </p:spPr>
         <p:txBody>
-          <a:bodyPr lIns="0" rIns="0" tIns="0" bIns="0">
+          <a:bodyPr lIns="0" tIns="0" rIns="0" bIns="0">
             <a:normAutofit/>
           </a:bodyPr>
-          <a:p>
-            <a:endParaRPr b="0" lang="en-US" sz="2000" spc="-1" strike="noStrike">
+          <a:lstStyle/>
+          <a:p>
+            <a:endParaRPr lang="en-US" sz="2000" b="0" strike="noStrike" spc="-1">
               <a:solidFill>
                 <a:srgbClr val="000000"/>
               </a:solidFill>
@@ -2814,11 +3048,12 @@
           </a:prstGeom>
         </p:spPr>
         <p:txBody>
-          <a:bodyPr lIns="0" rIns="0" tIns="0" bIns="0">
+          <a:bodyPr lIns="0" tIns="0" rIns="0" bIns="0">
             <a:normAutofit/>
           </a:bodyPr>
-          <a:p>
-            <a:endParaRPr b="0" lang="en-US" sz="2000" spc="-1" strike="noStrike">
+          <a:lstStyle/>
+          <a:p>
+            <a:endParaRPr lang="en-US" sz="2000" b="0" strike="noStrike" spc="-1">
               <a:solidFill>
                 <a:srgbClr val="000000"/>
               </a:solidFill>
@@ -2847,11 +3082,12 @@
           </a:prstGeom>
         </p:spPr>
         <p:txBody>
-          <a:bodyPr lIns="0" rIns="0" tIns="0" bIns="0">
+          <a:bodyPr lIns="0" tIns="0" rIns="0" bIns="0">
             <a:normAutofit/>
           </a:bodyPr>
-          <a:p>
-            <a:endParaRPr b="0" lang="en-US" sz="2000" spc="-1" strike="noStrike">
+          <a:lstStyle/>
+          <a:p>
+            <a:endParaRPr lang="en-US" sz="2000" b="0" strike="noStrike" spc="-1">
               <a:solidFill>
                 <a:srgbClr val="000000"/>
               </a:solidFill>
@@ -2862,12 +3098,20 @@
       </p:sp>
     </p:spTree>
   </p:cSld>
+  <p:clrMapOvr>
+    <a:masterClrMapping/>
+  </p:clrMapOvr>
 </p:sldLayout>
 </file>
 
 <file path=ppt/slideMasters/slideMaster1.xml><?xml version="1.0" encoding="utf-8"?>
-<p:sldMaster xmlns:a="http://schemas.openxmlformats.org/drawingml/2006/main" xmlns:p="http://schemas.openxmlformats.org/presentationml/2006/main" xmlns:r="http://schemas.openxmlformats.org/officeDocument/2006/relationships" xmlns:p14="http://schemas.microsoft.com/office/powerpoint/2010/main" xmlns:p15="http://schemas.microsoft.com/office/powerpoint/2012/main" xmlns:mc="http://schemas.openxmlformats.org/markup-compatibility/2006">
+<p:sldMaster xmlns:a="http://schemas.openxmlformats.org/drawingml/2006/main" xmlns:r="http://schemas.openxmlformats.org/officeDocument/2006/relationships" xmlns:p="http://schemas.openxmlformats.org/presentationml/2006/main">
   <p:cSld>
+    <p:bg>
+      <p:bgRef idx="1001">
+        <a:schemeClr val="bg1"/>
+      </p:bgRef>
+    </p:bg>
     <p:spTree>
       <p:nvGrpSpPr>
         <p:cNvPr id="1" name=""/>
@@ -2884,7 +3128,7 @@
       </p:grpSpPr>
       <p:sp>
         <p:nvSpPr>
-          <p:cNvPr id="0" name="CustomShape 1"/>
+          <p:cNvPr id="9" name="CustomShape 1"/>
           <p:cNvSpPr/>
           <p:nvPr/>
         </p:nvSpPr>
@@ -2930,13 +3174,13 @@
       </p:sp>
       <p:pic>
         <p:nvPicPr>
-          <p:cNvPr id="1" name="Picture 6" descr=""/>
+          <p:cNvPr id="10" name="Picture 6"/>
           <p:cNvPicPr/>
           <p:nvPr/>
         </p:nvPicPr>
         <p:blipFill>
-          <a:blip r:embed="rId2"/>
-          <a:srcRect l="0" t="1526" r="0" b="-1526"/>
+          <a:blip r:embed="rId14"/>
+          <a:srcRect t="1526" b="-1526"/>
           <a:stretch/>
         </p:blipFill>
         <p:spPr>
@@ -3009,6 +3253,7 @@
           <a:bodyPr bIns="0" anchor="b">
             <a:normAutofit fontScale="87000"/>
           </a:bodyPr>
+          <a:lstStyle/>
           <a:p>
             <a:pPr>
               <a:lnSpc>
@@ -3016,7 +3261,7 @@
               </a:lnSpc>
             </a:pPr>
             <a:r>
-              <a:rPr b="0" lang="en-US" sz="6600" spc="-1" strike="noStrike" cap="all">
+              <a:rPr lang="en-US" sz="6600" b="0" strike="noStrike" cap="all" spc="-1">
                 <a:solidFill>
                   <a:srgbClr val="000000"/>
                 </a:solidFill>
@@ -3024,7 +3269,7 @@
               </a:rPr>
               <a:t>Click to edit Master title style</a:t>
             </a:r>
-            <a:endParaRPr b="0" lang="en-US" sz="6600" spc="-1" strike="noStrike">
+            <a:endParaRPr lang="en-US" sz="6600" b="0" strike="noStrike" spc="-1">
               <a:solidFill>
                 <a:srgbClr val="000000"/>
               </a:solidFill>
@@ -3054,6 +3299,7 @@
         </p:spPr>
         <p:txBody>
           <a:bodyPr anchor="ctr"/>
+          <a:lstStyle/>
           <a:p>
             <a:pPr algn="r">
               <a:lnSpc>
@@ -3061,15 +3307,15 @@
               </a:lnSpc>
             </a:pPr>
             <a:fld id="{93AC8A9F-214C-46B4-A5C0-6E12ED678D38}" type="datetime">
-              <a:rPr b="0" lang="en-US" sz="1000" spc="-1" strike="noStrike">
+              <a:rPr lang="en-US" sz="1000" b="0" strike="noStrike" spc="-1">
                 <a:solidFill>
-                  <a:srgbClr val="8b8b8b"/>
+                  <a:srgbClr val="8B8B8B"/>
                 </a:solidFill>
                 <a:latin typeface="Gill Sans MT"/>
               </a:rPr>
-              <a:t>11/28/18</a:t>
+              <a:t>2018-11-28</a:t>
             </a:fld>
-            <a:endParaRPr b="0" lang="en-US" sz="1000" spc="-1" strike="noStrike">
+            <a:endParaRPr lang="en-US" sz="1000" b="0" strike="noStrike" spc="-1">
               <a:latin typeface="Times New Roman"/>
             </a:endParaRPr>
           </a:p>
@@ -3096,8 +3342,9 @@
         </p:spPr>
         <p:txBody>
           <a:bodyPr anchor="ctr"/>
-          <a:p>
-            <a:endParaRPr b="0" lang="en-US" sz="2400" spc="-1" strike="noStrike">
+          <a:lstStyle/>
+          <a:p>
+            <a:endParaRPr lang="en-US" sz="2400" b="0" strike="noStrike" spc="-1">
               <a:latin typeface="Times New Roman"/>
             </a:endParaRPr>
           </a:p>
@@ -3124,6 +3371,7 @@
         </p:spPr>
         <p:txBody>
           <a:bodyPr/>
+          <a:lstStyle/>
           <a:p>
             <a:pPr algn="r">
               <a:lnSpc>
@@ -3131,15 +3379,15 @@
               </a:lnSpc>
             </a:pPr>
             <a:fld id="{B6889D5A-4D9B-48BA-9E40-67F7FC1AE894}" type="slidenum">
-              <a:rPr b="0" lang="en-US" sz="2800" spc="-1" strike="noStrike">
+              <a:rPr lang="en-US" sz="2800" b="0" strike="noStrike" spc="-1">
                 <a:solidFill>
-                  <a:srgbClr val="b71e42"/>
+                  <a:srgbClr val="B71E42"/>
                 </a:solidFill>
                 <a:latin typeface="Gill Sans MT"/>
               </a:rPr>
-              <a:t>&lt;number&gt;</a:t>
+              <a:t>‹#›</a:t>
             </a:fld>
-            <a:endParaRPr b="0" lang="en-US" sz="2800" spc="-1" strike="noStrike">
+            <a:endParaRPr lang="en-US" sz="2800" b="0" strike="noStrike" spc="-1">
               <a:latin typeface="Times New Roman"/>
             </a:endParaRPr>
           </a:p>
@@ -3196,9 +3444,10 @@
           </a:prstGeom>
         </p:spPr>
         <p:txBody>
-          <a:bodyPr lIns="0" rIns="0" tIns="0" bIns="0">
+          <a:bodyPr lIns="0" tIns="0" rIns="0" bIns="0">
             <a:normAutofit/>
           </a:bodyPr>
+          <a:lstStyle/>
           <a:p>
             <a:pPr marL="432000" indent="-324000">
               <a:spcBef>
@@ -3212,7 +3461,7 @@
               <a:buChar char=""/>
             </a:pPr>
             <a:r>
-              <a:rPr b="0" lang="en-US" sz="2000" spc="-1" strike="noStrike">
+              <a:rPr lang="en-US" sz="2000" b="0" strike="noStrike" spc="-1">
                 <a:solidFill>
                   <a:srgbClr val="000000"/>
                 </a:solidFill>
@@ -3220,15 +3469,9 @@
               </a:rPr>
               <a:t>Click to edit the outline text format</a:t>
             </a:r>
-            <a:endParaRPr b="0" lang="en-US" sz="2000" spc="-1" strike="noStrike">
-              <a:solidFill>
-                <a:srgbClr val="000000"/>
-              </a:solidFill>
-              <a:latin typeface="Gill Sans MT"/>
-            </a:endParaRPr>
-          </a:p>
-          <a:p>
-            <a:pPr lvl="1" marL="864000" indent="-324000">
+          </a:p>
+          <a:p>
+            <a:pPr marL="864000" lvl="1" indent="-324000">
               <a:spcBef>
                 <a:spcPts val="1134"/>
               </a:spcBef>
@@ -3240,7 +3483,7 @@
               <a:buChar char=""/>
             </a:pPr>
             <a:r>
-              <a:rPr b="0" lang="en-US" sz="1600" spc="-1" strike="noStrike">
+              <a:rPr lang="en-US" sz="1600" b="0" strike="noStrike" spc="-1">
                 <a:solidFill>
                   <a:srgbClr val="000000"/>
                 </a:solidFill>
@@ -3248,15 +3491,9 @@
               </a:rPr>
               <a:t>Second Outline Level</a:t>
             </a:r>
-            <a:endParaRPr b="0" lang="en-US" sz="1600" spc="-1" strike="noStrike">
-              <a:solidFill>
-                <a:srgbClr val="000000"/>
-              </a:solidFill>
-              <a:latin typeface="Gill Sans MT"/>
-            </a:endParaRPr>
-          </a:p>
-          <a:p>
-            <a:pPr lvl="2" marL="1296000" indent="-288000">
+          </a:p>
+          <a:p>
+            <a:pPr marL="1296000" lvl="2" indent="-288000">
               <a:spcBef>
                 <a:spcPts val="850"/>
               </a:spcBef>
@@ -3268,7 +3505,7 @@
               <a:buChar char=""/>
             </a:pPr>
             <a:r>
-              <a:rPr b="0" lang="en-US" sz="1400" spc="-1" strike="noStrike">
+              <a:rPr lang="en-US" sz="1400" b="0" strike="noStrike" spc="-1">
                 <a:solidFill>
                   <a:srgbClr val="000000"/>
                 </a:solidFill>
@@ -3276,15 +3513,9 @@
               </a:rPr>
               <a:t>Third Outline Level</a:t>
             </a:r>
-            <a:endParaRPr b="0" lang="en-US" sz="1400" spc="-1" strike="noStrike">
-              <a:solidFill>
-                <a:srgbClr val="000000"/>
-              </a:solidFill>
-              <a:latin typeface="Gill Sans MT"/>
-            </a:endParaRPr>
-          </a:p>
-          <a:p>
-            <a:pPr lvl="3" marL="1728000" indent="-216000">
+          </a:p>
+          <a:p>
+            <a:pPr marL="1728000" lvl="3" indent="-216000">
               <a:spcBef>
                 <a:spcPts val="567"/>
               </a:spcBef>
@@ -3296,7 +3527,7 @@
               <a:buChar char=""/>
             </a:pPr>
             <a:r>
-              <a:rPr b="0" lang="en-US" sz="1200" spc="-1" strike="noStrike">
+              <a:rPr lang="en-US" sz="1200" b="0" strike="noStrike" spc="-1">
                 <a:solidFill>
                   <a:srgbClr val="000000"/>
                 </a:solidFill>
@@ -3304,15 +3535,9 @@
               </a:rPr>
               <a:t>Fourth Outline Level</a:t>
             </a:r>
-            <a:endParaRPr b="0" lang="en-US" sz="1200" spc="-1" strike="noStrike">
-              <a:solidFill>
-                <a:srgbClr val="000000"/>
-              </a:solidFill>
-              <a:latin typeface="Gill Sans MT"/>
-            </a:endParaRPr>
-          </a:p>
-          <a:p>
-            <a:pPr lvl="4" marL="2160000" indent="-216000">
+          </a:p>
+          <a:p>
+            <a:pPr marL="2160000" lvl="4" indent="-216000">
               <a:spcBef>
                 <a:spcPts val="283"/>
               </a:spcBef>
@@ -3324,7 +3549,7 @@
               <a:buChar char=""/>
             </a:pPr>
             <a:r>
-              <a:rPr b="0" lang="en-US" sz="2000" spc="-1" strike="noStrike">
+              <a:rPr lang="en-US" sz="2000" b="0" strike="noStrike" spc="-1">
                 <a:solidFill>
                   <a:srgbClr val="000000"/>
                 </a:solidFill>
@@ -3332,15 +3557,9 @@
               </a:rPr>
               <a:t>Fifth Outline Level</a:t>
             </a:r>
-            <a:endParaRPr b="0" lang="en-US" sz="2000" spc="-1" strike="noStrike">
-              <a:solidFill>
-                <a:srgbClr val="000000"/>
-              </a:solidFill>
-              <a:latin typeface="Gill Sans MT"/>
-            </a:endParaRPr>
-          </a:p>
-          <a:p>
-            <a:pPr lvl="5" marL="2592000" indent="-216000">
+          </a:p>
+          <a:p>
+            <a:pPr marL="2592000" lvl="5" indent="-216000">
               <a:spcBef>
                 <a:spcPts val="283"/>
               </a:spcBef>
@@ -3352,7 +3571,7 @@
               <a:buChar char=""/>
             </a:pPr>
             <a:r>
-              <a:rPr b="0" lang="en-US" sz="2000" spc="-1" strike="noStrike">
+              <a:rPr lang="en-US" sz="2000" b="0" strike="noStrike" spc="-1">
                 <a:solidFill>
                   <a:srgbClr val="000000"/>
                 </a:solidFill>
@@ -3360,15 +3579,9 @@
               </a:rPr>
               <a:t>Sixth Outline Level</a:t>
             </a:r>
-            <a:endParaRPr b="0" lang="en-US" sz="2000" spc="-1" strike="noStrike">
-              <a:solidFill>
-                <a:srgbClr val="000000"/>
-              </a:solidFill>
-              <a:latin typeface="Gill Sans MT"/>
-            </a:endParaRPr>
-          </a:p>
-          <a:p>
-            <a:pPr lvl="6" marL="3024000" indent="-216000">
+          </a:p>
+          <a:p>
+            <a:pPr marL="3024000" lvl="6" indent="-216000">
               <a:spcBef>
                 <a:spcPts val="283"/>
               </a:spcBef>
@@ -3380,7 +3593,7 @@
               <a:buChar char=""/>
             </a:pPr>
             <a:r>
-              <a:rPr b="0" lang="en-US" sz="2000" spc="-1" strike="noStrike">
+              <a:rPr lang="en-US" sz="2000" b="0" strike="noStrike" spc="-1">
                 <a:solidFill>
                   <a:srgbClr val="000000"/>
                 </a:solidFill>
@@ -3388,38 +3601,317 @@
               </a:rPr>
               <a:t>Seventh Outline Level</a:t>
             </a:r>
-            <a:endParaRPr b="0" lang="en-US" sz="2000" spc="-1" strike="noStrike">
-              <a:solidFill>
-                <a:srgbClr val="000000"/>
-              </a:solidFill>
-              <a:latin typeface="Gill Sans MT"/>
-            </a:endParaRPr>
           </a:p>
         </p:txBody>
       </p:sp>
     </p:spTree>
   </p:cSld>
-  <p:clrMap bg1="lt1" bg2="lt2" tx1="dk1" tx2="dk2" accent1="accent1" accent2="accent2" accent3="accent3" accent4="accent4" accent5="accent5" accent6="accent6" hlink="hlink" folHlink="folHlink"/>
+  <p:clrMap bg1="lt1" tx1="dk1" bg2="lt2" tx2="dk2" accent1="accent1" accent2="accent2" accent3="accent3" accent4="accent4" accent5="accent5" accent6="accent6" hlink="hlink" folHlink="folHlink"/>
   <p:sldLayoutIdLst>
-    <p:sldLayoutId id="2147483649" r:id="rId3"/>
-    <p:sldLayoutId id="2147483650" r:id="rId4"/>
-    <p:sldLayoutId id="2147483651" r:id="rId5"/>
-    <p:sldLayoutId id="2147483652" r:id="rId6"/>
-    <p:sldLayoutId id="2147483653" r:id="rId7"/>
-    <p:sldLayoutId id="2147483654" r:id="rId8"/>
-    <p:sldLayoutId id="2147483655" r:id="rId9"/>
-    <p:sldLayoutId id="2147483656" r:id="rId10"/>
-    <p:sldLayoutId id="2147483657" r:id="rId11"/>
-    <p:sldLayoutId id="2147483658" r:id="rId12"/>
-    <p:sldLayoutId id="2147483659" r:id="rId13"/>
-    <p:sldLayoutId id="2147483660" r:id="rId14"/>
+    <p:sldLayoutId id="2147483649" r:id="rId1"/>
+    <p:sldLayoutId id="2147483650" r:id="rId2"/>
+    <p:sldLayoutId id="2147483651" r:id="rId3"/>
+    <p:sldLayoutId id="2147483652" r:id="rId4"/>
+    <p:sldLayoutId id="2147483653" r:id="rId5"/>
+    <p:sldLayoutId id="2147483654" r:id="rId6"/>
+    <p:sldLayoutId id="2147483655" r:id="rId7"/>
+    <p:sldLayoutId id="2147483656" r:id="rId8"/>
+    <p:sldLayoutId id="2147483657" r:id="rId9"/>
+    <p:sldLayoutId id="2147483658" r:id="rId10"/>
+    <p:sldLayoutId id="2147483659" r:id="rId11"/>
+    <p:sldLayoutId id="2147483660" r:id="rId12"/>
   </p:sldLayoutIdLst>
+  <p:txStyles>
+    <p:titleStyle>
+      <a:lvl1pPr algn="l" defTabSz="914400" rtl="0" eaLnBrk="1" latinLnBrk="0" hangingPunct="1">
+        <a:lnSpc>
+          <a:spcPct val="90000"/>
+        </a:lnSpc>
+        <a:spcBef>
+          <a:spcPct val="0"/>
+        </a:spcBef>
+        <a:buNone/>
+        <a:defRPr sz="4400" kern="1200">
+          <a:solidFill>
+            <a:schemeClr val="tx1"/>
+          </a:solidFill>
+          <a:latin typeface="+mj-lt"/>
+          <a:ea typeface="+mj-ea"/>
+          <a:cs typeface="+mj-cs"/>
+        </a:defRPr>
+      </a:lvl1pPr>
+    </p:titleStyle>
+    <p:bodyStyle>
+      <a:lvl1pPr marL="228600" indent="-228600" algn="l" defTabSz="914400" rtl="0" eaLnBrk="1" latinLnBrk="0" hangingPunct="1">
+        <a:lnSpc>
+          <a:spcPct val="90000"/>
+        </a:lnSpc>
+        <a:spcBef>
+          <a:spcPts val="1000"/>
+        </a:spcBef>
+        <a:buFont typeface="Arial" panose="020B0604020202020204" pitchFamily="34" charset="0"/>
+        <a:buChar char="•"/>
+        <a:defRPr sz="2800" kern="1200">
+          <a:solidFill>
+            <a:schemeClr val="tx1"/>
+          </a:solidFill>
+          <a:latin typeface="+mn-lt"/>
+          <a:ea typeface="+mn-ea"/>
+          <a:cs typeface="+mn-cs"/>
+        </a:defRPr>
+      </a:lvl1pPr>
+      <a:lvl2pPr marL="685800" indent="-228600" algn="l" defTabSz="914400" rtl="0" eaLnBrk="1" latinLnBrk="0" hangingPunct="1">
+        <a:lnSpc>
+          <a:spcPct val="90000"/>
+        </a:lnSpc>
+        <a:spcBef>
+          <a:spcPts val="500"/>
+        </a:spcBef>
+        <a:buFont typeface="Arial" panose="020B0604020202020204" pitchFamily="34" charset="0"/>
+        <a:buChar char="•"/>
+        <a:defRPr sz="2400" kern="1200">
+          <a:solidFill>
+            <a:schemeClr val="tx1"/>
+          </a:solidFill>
+          <a:latin typeface="+mn-lt"/>
+          <a:ea typeface="+mn-ea"/>
+          <a:cs typeface="+mn-cs"/>
+        </a:defRPr>
+      </a:lvl2pPr>
+      <a:lvl3pPr marL="1143000" indent="-228600" algn="l" defTabSz="914400" rtl="0" eaLnBrk="1" latinLnBrk="0" hangingPunct="1">
+        <a:lnSpc>
+          <a:spcPct val="90000"/>
+        </a:lnSpc>
+        <a:spcBef>
+          <a:spcPts val="500"/>
+        </a:spcBef>
+        <a:buFont typeface="Arial" panose="020B0604020202020204" pitchFamily="34" charset="0"/>
+        <a:buChar char="•"/>
+        <a:defRPr sz="2000" kern="1200">
+          <a:solidFill>
+            <a:schemeClr val="tx1"/>
+          </a:solidFill>
+          <a:latin typeface="+mn-lt"/>
+          <a:ea typeface="+mn-ea"/>
+          <a:cs typeface="+mn-cs"/>
+        </a:defRPr>
+      </a:lvl3pPr>
+      <a:lvl4pPr marL="1600200" indent="-228600" algn="l" defTabSz="914400" rtl="0" eaLnBrk="1" latinLnBrk="0" hangingPunct="1">
+        <a:lnSpc>
+          <a:spcPct val="90000"/>
+        </a:lnSpc>
+        <a:spcBef>
+          <a:spcPts val="500"/>
+        </a:spcBef>
+        <a:buFont typeface="Arial" panose="020B0604020202020204" pitchFamily="34" charset="0"/>
+        <a:buChar char="•"/>
+        <a:defRPr sz="1800" kern="1200">
+          <a:solidFill>
+            <a:schemeClr val="tx1"/>
+          </a:solidFill>
+          <a:latin typeface="+mn-lt"/>
+          <a:ea typeface="+mn-ea"/>
+          <a:cs typeface="+mn-cs"/>
+        </a:defRPr>
+      </a:lvl4pPr>
+      <a:lvl5pPr marL="2057400" indent="-228600" algn="l" defTabSz="914400" rtl="0" eaLnBrk="1" latinLnBrk="0" hangingPunct="1">
+        <a:lnSpc>
+          <a:spcPct val="90000"/>
+        </a:lnSpc>
+        <a:spcBef>
+          <a:spcPts val="500"/>
+        </a:spcBef>
+        <a:buFont typeface="Arial" panose="020B0604020202020204" pitchFamily="34" charset="0"/>
+        <a:buChar char="•"/>
+        <a:defRPr sz="1800" kern="1200">
+          <a:solidFill>
+            <a:schemeClr val="tx1"/>
+          </a:solidFill>
+          <a:latin typeface="+mn-lt"/>
+          <a:ea typeface="+mn-ea"/>
+          <a:cs typeface="+mn-cs"/>
+        </a:defRPr>
+      </a:lvl5pPr>
+      <a:lvl6pPr marL="2514600" indent="-228600" algn="l" defTabSz="914400" rtl="0" eaLnBrk="1" latinLnBrk="0" hangingPunct="1">
+        <a:lnSpc>
+          <a:spcPct val="90000"/>
+        </a:lnSpc>
+        <a:spcBef>
+          <a:spcPts val="500"/>
+        </a:spcBef>
+        <a:buFont typeface="Arial" panose="020B0604020202020204" pitchFamily="34" charset="0"/>
+        <a:buChar char="•"/>
+        <a:defRPr sz="1800" kern="1200">
+          <a:solidFill>
+            <a:schemeClr val="tx1"/>
+          </a:solidFill>
+          <a:latin typeface="+mn-lt"/>
+          <a:ea typeface="+mn-ea"/>
+          <a:cs typeface="+mn-cs"/>
+        </a:defRPr>
+      </a:lvl6pPr>
+      <a:lvl7pPr marL="2971800" indent="-228600" algn="l" defTabSz="914400" rtl="0" eaLnBrk="1" latinLnBrk="0" hangingPunct="1">
+        <a:lnSpc>
+          <a:spcPct val="90000"/>
+        </a:lnSpc>
+        <a:spcBef>
+          <a:spcPts val="500"/>
+        </a:spcBef>
+        <a:buFont typeface="Arial" panose="020B0604020202020204" pitchFamily="34" charset="0"/>
+        <a:buChar char="•"/>
+        <a:defRPr sz="1800" kern="1200">
+          <a:solidFill>
+            <a:schemeClr val="tx1"/>
+          </a:solidFill>
+          <a:latin typeface="+mn-lt"/>
+          <a:ea typeface="+mn-ea"/>
+          <a:cs typeface="+mn-cs"/>
+        </a:defRPr>
+      </a:lvl7pPr>
+      <a:lvl8pPr marL="3429000" indent="-228600" algn="l" defTabSz="914400" rtl="0" eaLnBrk="1" latinLnBrk="0" hangingPunct="1">
+        <a:lnSpc>
+          <a:spcPct val="90000"/>
+        </a:lnSpc>
+        <a:spcBef>
+          <a:spcPts val="500"/>
+        </a:spcBef>
+        <a:buFont typeface="Arial" panose="020B0604020202020204" pitchFamily="34" charset="0"/>
+        <a:buChar char="•"/>
+        <a:defRPr sz="1800" kern="1200">
+          <a:solidFill>
+            <a:schemeClr val="tx1"/>
+          </a:solidFill>
+          <a:latin typeface="+mn-lt"/>
+          <a:ea typeface="+mn-ea"/>
+          <a:cs typeface="+mn-cs"/>
+        </a:defRPr>
+      </a:lvl8pPr>
+      <a:lvl9pPr marL="3886200" indent="-228600" algn="l" defTabSz="914400" rtl="0" eaLnBrk="1" latinLnBrk="0" hangingPunct="1">
+        <a:lnSpc>
+          <a:spcPct val="90000"/>
+        </a:lnSpc>
+        <a:spcBef>
+          <a:spcPts val="500"/>
+        </a:spcBef>
+        <a:buFont typeface="Arial" panose="020B0604020202020204" pitchFamily="34" charset="0"/>
+        <a:buChar char="•"/>
+        <a:defRPr sz="1800" kern="1200">
+          <a:solidFill>
+            <a:schemeClr val="tx1"/>
+          </a:solidFill>
+          <a:latin typeface="+mn-lt"/>
+          <a:ea typeface="+mn-ea"/>
+          <a:cs typeface="+mn-cs"/>
+        </a:defRPr>
+      </a:lvl9pPr>
+    </p:bodyStyle>
+    <p:otherStyle>
+      <a:defPPr>
+        <a:defRPr lang="en-US"/>
+      </a:defPPr>
+      <a:lvl1pPr marL="0" algn="l" defTabSz="914400" rtl="0" eaLnBrk="1" latinLnBrk="0" hangingPunct="1">
+        <a:defRPr sz="1800" kern="1200">
+          <a:solidFill>
+            <a:schemeClr val="tx1"/>
+          </a:solidFill>
+          <a:latin typeface="+mn-lt"/>
+          <a:ea typeface="+mn-ea"/>
+          <a:cs typeface="+mn-cs"/>
+        </a:defRPr>
+      </a:lvl1pPr>
+      <a:lvl2pPr marL="457200" algn="l" defTabSz="914400" rtl="0" eaLnBrk="1" latinLnBrk="0" hangingPunct="1">
+        <a:defRPr sz="1800" kern="1200">
+          <a:solidFill>
+            <a:schemeClr val="tx1"/>
+          </a:solidFill>
+          <a:latin typeface="+mn-lt"/>
+          <a:ea typeface="+mn-ea"/>
+          <a:cs typeface="+mn-cs"/>
+        </a:defRPr>
+      </a:lvl2pPr>
+      <a:lvl3pPr marL="914400" algn="l" defTabSz="914400" rtl="0" eaLnBrk="1" latinLnBrk="0" hangingPunct="1">
+        <a:defRPr sz="1800" kern="1200">
+          <a:solidFill>
+            <a:schemeClr val="tx1"/>
+          </a:solidFill>
+          <a:latin typeface="+mn-lt"/>
+          <a:ea typeface="+mn-ea"/>
+          <a:cs typeface="+mn-cs"/>
+        </a:defRPr>
+      </a:lvl3pPr>
+      <a:lvl4pPr marL="1371600" algn="l" defTabSz="914400" rtl="0" eaLnBrk="1" latinLnBrk="0" hangingPunct="1">
+        <a:defRPr sz="1800" kern="1200">
+          <a:solidFill>
+            <a:schemeClr val="tx1"/>
+          </a:solidFill>
+          <a:latin typeface="+mn-lt"/>
+          <a:ea typeface="+mn-ea"/>
+          <a:cs typeface="+mn-cs"/>
+        </a:defRPr>
+      </a:lvl4pPr>
+      <a:lvl5pPr marL="1828800" algn="l" defTabSz="914400" rtl="0" eaLnBrk="1" latinLnBrk="0" hangingPunct="1">
+        <a:defRPr sz="1800" kern="1200">
+          <a:solidFill>
+            <a:schemeClr val="tx1"/>
+          </a:solidFill>
+          <a:latin typeface="+mn-lt"/>
+          <a:ea typeface="+mn-ea"/>
+          <a:cs typeface="+mn-cs"/>
+        </a:defRPr>
+      </a:lvl5pPr>
+      <a:lvl6pPr marL="2286000" algn="l" defTabSz="914400" rtl="0" eaLnBrk="1" latinLnBrk="0" hangingPunct="1">
+        <a:defRPr sz="1800" kern="1200">
+          <a:solidFill>
+            <a:schemeClr val="tx1"/>
+          </a:solidFill>
+          <a:latin typeface="+mn-lt"/>
+          <a:ea typeface="+mn-ea"/>
+          <a:cs typeface="+mn-cs"/>
+        </a:defRPr>
+      </a:lvl6pPr>
+      <a:lvl7pPr marL="2743200" algn="l" defTabSz="914400" rtl="0" eaLnBrk="1" latinLnBrk="0" hangingPunct="1">
+        <a:defRPr sz="1800" kern="1200">
+          <a:solidFill>
+            <a:schemeClr val="tx1"/>
+          </a:solidFill>
+          <a:latin typeface="+mn-lt"/>
+          <a:ea typeface="+mn-ea"/>
+          <a:cs typeface="+mn-cs"/>
+        </a:defRPr>
+      </a:lvl7pPr>
+      <a:lvl8pPr marL="3200400" algn="l" defTabSz="914400" rtl="0" eaLnBrk="1" latinLnBrk="0" hangingPunct="1">
+        <a:defRPr sz="1800" kern="1200">
+          <a:solidFill>
+            <a:schemeClr val="tx1"/>
+          </a:solidFill>
+          <a:latin typeface="+mn-lt"/>
+          <a:ea typeface="+mn-ea"/>
+          <a:cs typeface="+mn-cs"/>
+        </a:defRPr>
+      </a:lvl8pPr>
+      <a:lvl9pPr marL="3657600" algn="l" defTabSz="914400" rtl="0" eaLnBrk="1" latinLnBrk="0" hangingPunct="1">
+        <a:defRPr sz="1800" kern="1200">
+          <a:solidFill>
+            <a:schemeClr val="tx1"/>
+          </a:solidFill>
+          <a:latin typeface="+mn-lt"/>
+          <a:ea typeface="+mn-ea"/>
+          <a:cs typeface="+mn-cs"/>
+        </a:defRPr>
+      </a:lvl9pPr>
+    </p:otherStyle>
+  </p:txStyles>
 </p:sldMaster>
 </file>
 
 <file path=ppt/slideMasters/slideMaster2.xml><?xml version="1.0" encoding="utf-8"?>
-<p:sldMaster xmlns:a="http://schemas.openxmlformats.org/drawingml/2006/main" xmlns:p="http://schemas.openxmlformats.org/presentationml/2006/main" xmlns:r="http://schemas.openxmlformats.org/officeDocument/2006/relationships" xmlns:p14="http://schemas.microsoft.com/office/powerpoint/2010/main" xmlns:p15="http://schemas.microsoft.com/office/powerpoint/2012/main" xmlns:mc="http://schemas.openxmlformats.org/markup-compatibility/2006">
+<p:sldMaster xmlns:a="http://schemas.openxmlformats.org/drawingml/2006/main" xmlns:r="http://schemas.openxmlformats.org/officeDocument/2006/relationships" xmlns:p="http://schemas.openxmlformats.org/presentationml/2006/main">
   <p:cSld>
+    <p:bg>
+      <p:bgRef idx="1001">
+        <a:schemeClr val="bg1"/>
+      </p:bgRef>
+    </p:bg>
     <p:spTree>
       <p:nvGrpSpPr>
         <p:cNvPr id="1" name=""/>
@@ -3482,13 +3974,13 @@
       </p:sp>
       <p:pic>
         <p:nvPicPr>
-          <p:cNvPr id="46" name="Picture 6" descr=""/>
+          <p:cNvPr id="46" name="Picture 6"/>
           <p:cNvPicPr/>
           <p:nvPr/>
         </p:nvPicPr>
         <p:blipFill>
-          <a:blip r:embed="rId2"/>
-          <a:srcRect l="0" t="1526" r="0" b="-1526"/>
+          <a:blip r:embed="rId14"/>
+          <a:srcRect t="1526" b="-1526"/>
           <a:stretch/>
         </p:blipFill>
         <p:spPr>
@@ -3559,6 +4051,7 @@
         </p:spPr>
         <p:txBody>
           <a:bodyPr/>
+          <a:lstStyle/>
           <a:p>
             <a:pPr>
               <a:lnSpc>
@@ -3566,7 +4059,7 @@
               </a:lnSpc>
             </a:pPr>
             <a:r>
-              <a:rPr b="0" lang="en-US" sz="3200" spc="-1" strike="noStrike" cap="all">
+              <a:rPr lang="en-US" sz="3200" b="0" strike="noStrike" cap="all" spc="-1">
                 <a:solidFill>
                   <a:srgbClr val="000000"/>
                 </a:solidFill>
@@ -3574,7 +4067,7 @@
               </a:rPr>
               <a:t>Click to edit Master title style</a:t>
             </a:r>
-            <a:endParaRPr b="0" lang="en-US" sz="3200" spc="-1" strike="noStrike">
+            <a:endParaRPr lang="en-US" sz="3200" b="0" strike="noStrike" spc="-1">
               <a:solidFill>
                 <a:srgbClr val="000000"/>
               </a:solidFill>
@@ -3604,6 +4097,7 @@
         </p:spPr>
         <p:txBody>
           <a:bodyPr/>
+          <a:lstStyle/>
           <a:p>
             <a:pPr marL="228600" indent="-228240">
               <a:lnSpc>
@@ -3613,13 +4107,13 @@
                 <a:spcPts val="1001"/>
               </a:spcBef>
               <a:buClr>
-                <a:srgbClr val="b71e42"/>
+                <a:srgbClr val="B71E42"/>
               </a:buClr>
               <a:buFont typeface="Arial"/>
               <a:buChar char="•"/>
             </a:pPr>
             <a:r>
-              <a:rPr b="0" lang="en-US" sz="2000" spc="-1" strike="noStrike">
+              <a:rPr lang="en-US" sz="2000" b="0" strike="noStrike" spc="-1">
                 <a:solidFill>
                   <a:srgbClr val="000000"/>
                 </a:solidFill>
@@ -3627,15 +4121,9 @@
               </a:rPr>
               <a:t>Edit Master text styles</a:t>
             </a:r>
-            <a:endParaRPr b="0" lang="en-US" sz="2000" spc="-1" strike="noStrike">
-              <a:solidFill>
-                <a:srgbClr val="000000"/>
-              </a:solidFill>
-              <a:latin typeface="Gill Sans MT"/>
-            </a:endParaRPr>
-          </a:p>
-          <a:p>
-            <a:pPr lvl="1" marL="685800" indent="-228240">
+          </a:p>
+          <a:p>
+            <a:pPr marL="685800" lvl="1" indent="-228240">
               <a:lnSpc>
                 <a:spcPct val="120000"/>
               </a:lnSpc>
@@ -3643,13 +4131,13 @@
                 <a:spcPts val="499"/>
               </a:spcBef>
               <a:buClr>
-                <a:srgbClr val="b71e42"/>
+                <a:srgbClr val="B71E42"/>
               </a:buClr>
               <a:buFont typeface="Arial"/>
               <a:buChar char="•"/>
             </a:pPr>
             <a:r>
-              <a:rPr b="0" lang="en-US" sz="1800" spc="-1" strike="noStrike">
+              <a:rPr lang="en-US" sz="1800" b="0" strike="noStrike" spc="-1">
                 <a:solidFill>
                   <a:srgbClr val="000000"/>
                 </a:solidFill>
@@ -3657,15 +4145,9 @@
               </a:rPr>
               <a:t>Second level</a:t>
             </a:r>
-            <a:endParaRPr b="0" lang="en-US" sz="1800" spc="-1" strike="noStrike">
-              <a:solidFill>
-                <a:srgbClr val="000000"/>
-              </a:solidFill>
-              <a:latin typeface="Gill Sans MT"/>
-            </a:endParaRPr>
-          </a:p>
-          <a:p>
-            <a:pPr lvl="2" marL="1143000" indent="-228240">
+          </a:p>
+          <a:p>
+            <a:pPr marL="1143000" lvl="2" indent="-228240">
               <a:lnSpc>
                 <a:spcPct val="120000"/>
               </a:lnSpc>
@@ -3673,13 +4155,13 @@
                 <a:spcPts val="499"/>
               </a:spcBef>
               <a:buClr>
-                <a:srgbClr val="b71e42"/>
+                <a:srgbClr val="B71E42"/>
               </a:buClr>
               <a:buFont typeface="Arial"/>
               <a:buChar char="•"/>
             </a:pPr>
             <a:r>
-              <a:rPr b="0" lang="en-US" sz="1600" spc="-1" strike="noStrike">
+              <a:rPr lang="en-US" sz="1600" b="0" strike="noStrike" spc="-1">
                 <a:solidFill>
                   <a:srgbClr val="000000"/>
                 </a:solidFill>
@@ -3687,15 +4169,9 @@
               </a:rPr>
               <a:t>Third level</a:t>
             </a:r>
-            <a:endParaRPr b="0" lang="en-US" sz="1600" spc="-1" strike="noStrike">
-              <a:solidFill>
-                <a:srgbClr val="000000"/>
-              </a:solidFill>
-              <a:latin typeface="Gill Sans MT"/>
-            </a:endParaRPr>
-          </a:p>
-          <a:p>
-            <a:pPr lvl="3" marL="1600200" indent="-228240">
+          </a:p>
+          <a:p>
+            <a:pPr marL="1600200" lvl="3" indent="-228240">
               <a:lnSpc>
                 <a:spcPct val="120000"/>
               </a:lnSpc>
@@ -3703,13 +4179,13 @@
                 <a:spcPts val="499"/>
               </a:spcBef>
               <a:buClr>
-                <a:srgbClr val="b71e42"/>
+                <a:srgbClr val="B71E42"/>
               </a:buClr>
               <a:buFont typeface="Arial"/>
               <a:buChar char="•"/>
             </a:pPr>
             <a:r>
-              <a:rPr b="0" lang="en-US" sz="1400" spc="-1" strike="noStrike">
+              <a:rPr lang="en-US" sz="1400" b="0" strike="noStrike" spc="-1">
                 <a:solidFill>
                   <a:srgbClr val="000000"/>
                 </a:solidFill>
@@ -3717,15 +4193,9 @@
               </a:rPr>
               <a:t>Fourth level</a:t>
             </a:r>
-            <a:endParaRPr b="0" lang="en-US" sz="1400" spc="-1" strike="noStrike">
-              <a:solidFill>
-                <a:srgbClr val="000000"/>
-              </a:solidFill>
-              <a:latin typeface="Gill Sans MT"/>
-            </a:endParaRPr>
-          </a:p>
-          <a:p>
-            <a:pPr lvl="4" marL="2057400" indent="-228240">
+          </a:p>
+          <a:p>
+            <a:pPr marL="2057400" lvl="4" indent="-228240">
               <a:lnSpc>
                 <a:spcPct val="120000"/>
               </a:lnSpc>
@@ -3733,13 +4203,13 @@
                 <a:spcPts val="499"/>
               </a:spcBef>
               <a:buClr>
-                <a:srgbClr val="b71e42"/>
+                <a:srgbClr val="B71E42"/>
               </a:buClr>
               <a:buFont typeface="Arial"/>
               <a:buChar char="•"/>
             </a:pPr>
             <a:r>
-              <a:rPr b="0" lang="en-US" sz="1200" spc="-1" strike="noStrike">
+              <a:rPr lang="en-US" sz="1200" b="0" strike="noStrike" spc="-1">
                 <a:solidFill>
                   <a:srgbClr val="000000"/>
                 </a:solidFill>
@@ -3747,12 +4217,6 @@
               </a:rPr>
               <a:t>Fifth level</a:t>
             </a:r>
-            <a:endParaRPr b="0" lang="en-US" sz="1200" spc="-1" strike="noStrike">
-              <a:solidFill>
-                <a:srgbClr val="000000"/>
-              </a:solidFill>
-              <a:latin typeface="Gill Sans MT"/>
-            </a:endParaRPr>
           </a:p>
         </p:txBody>
       </p:sp>
@@ -3777,6 +4241,7 @@
         </p:spPr>
         <p:txBody>
           <a:bodyPr anchor="ctr"/>
+          <a:lstStyle/>
           <a:p>
             <a:pPr algn="r">
               <a:lnSpc>
@@ -3784,15 +4249,15 @@
               </a:lnSpc>
             </a:pPr>
             <a:fld id="{6F4C555C-E185-45B0-87FB-8652F9D2AD87}" type="datetime">
-              <a:rPr b="0" lang="en-US" sz="1000" spc="-1" strike="noStrike">
+              <a:rPr lang="en-US" sz="1000" b="0" strike="noStrike" spc="-1">
                 <a:solidFill>
-                  <a:srgbClr val="8b8b8b"/>
+                  <a:srgbClr val="8B8B8B"/>
                 </a:solidFill>
                 <a:latin typeface="Gill Sans MT"/>
               </a:rPr>
-              <a:t>11/28/18</a:t>
+              <a:t>2018-11-28</a:t>
             </a:fld>
-            <a:endParaRPr b="0" lang="en-US" sz="1000" spc="-1" strike="noStrike">
+            <a:endParaRPr lang="en-US" sz="1000" b="0" strike="noStrike" spc="-1">
               <a:latin typeface="Times New Roman"/>
             </a:endParaRPr>
           </a:p>
@@ -3819,8 +4284,9 @@
         </p:spPr>
         <p:txBody>
           <a:bodyPr anchor="ctr"/>
-          <a:p>
-            <a:endParaRPr b="0" lang="en-US" sz="2400" spc="-1" strike="noStrike">
+          <a:lstStyle/>
+          <a:p>
+            <a:endParaRPr lang="en-US" sz="2400" b="0" strike="noStrike" spc="-1">
               <a:latin typeface="Times New Roman"/>
             </a:endParaRPr>
           </a:p>
@@ -3847,6 +4313,7 @@
         </p:spPr>
         <p:txBody>
           <a:bodyPr/>
+          <a:lstStyle/>
           <a:p>
             <a:pPr algn="r">
               <a:lnSpc>
@@ -3854,15 +4321,15 @@
               </a:lnSpc>
             </a:pPr>
             <a:fld id="{7DE31BE1-B545-4593-B9B4-4E8ED54B1885}" type="slidenum">
-              <a:rPr b="0" lang="en-US" sz="2800" spc="-1" strike="noStrike">
+              <a:rPr lang="en-US" sz="2800" b="0" strike="noStrike" spc="-1">
                 <a:solidFill>
-                  <a:srgbClr val="b71e42"/>
+                  <a:srgbClr val="B71E42"/>
                 </a:solidFill>
                 <a:latin typeface="Gill Sans MT"/>
               </a:rPr>
-              <a:t>1</a:t>
+              <a:t>‹#›</a:t>
             </a:fld>
-            <a:endParaRPr b="0" lang="en-US" sz="2800" spc="-1" strike="noStrike">
+            <a:endParaRPr lang="en-US" sz="2800" b="0" strike="noStrike" spc="-1">
               <a:latin typeface="Times New Roman"/>
             </a:endParaRPr>
           </a:p>
@@ -3901,26 +4368,306 @@
       </p:sp>
     </p:spTree>
   </p:cSld>
-  <p:clrMap bg1="lt1" bg2="lt2" tx1="dk1" tx2="dk2" accent1="accent1" accent2="accent2" accent3="accent3" accent4="accent4" accent5="accent5" accent6="accent6" hlink="hlink" folHlink="folHlink"/>
+  <p:clrMap bg1="lt1" tx1="dk1" bg2="lt2" tx2="dk2" accent1="accent1" accent2="accent2" accent3="accent3" accent4="accent4" accent5="accent5" accent6="accent6" hlink="hlink" folHlink="folHlink"/>
   <p:sldLayoutIdLst>
-    <p:sldLayoutId id="2147483662" r:id="rId3"/>
-    <p:sldLayoutId id="2147483663" r:id="rId4"/>
-    <p:sldLayoutId id="2147483664" r:id="rId5"/>
-    <p:sldLayoutId id="2147483665" r:id="rId6"/>
-    <p:sldLayoutId id="2147483666" r:id="rId7"/>
-    <p:sldLayoutId id="2147483667" r:id="rId8"/>
-    <p:sldLayoutId id="2147483668" r:id="rId9"/>
-    <p:sldLayoutId id="2147483669" r:id="rId10"/>
-    <p:sldLayoutId id="2147483670" r:id="rId11"/>
-    <p:sldLayoutId id="2147483671" r:id="rId12"/>
-    <p:sldLayoutId id="2147483672" r:id="rId13"/>
-    <p:sldLayoutId id="2147483673" r:id="rId14"/>
+    <p:sldLayoutId id="2147483662" r:id="rId1"/>
+    <p:sldLayoutId id="2147483663" r:id="rId2"/>
+    <p:sldLayoutId id="2147483664" r:id="rId3"/>
+    <p:sldLayoutId id="2147483665" r:id="rId4"/>
+    <p:sldLayoutId id="2147483666" r:id="rId5"/>
+    <p:sldLayoutId id="2147483667" r:id="rId6"/>
+    <p:sldLayoutId id="2147483668" r:id="rId7"/>
+    <p:sldLayoutId id="2147483669" r:id="rId8"/>
+    <p:sldLayoutId id="2147483670" r:id="rId9"/>
+    <p:sldLayoutId id="2147483671" r:id="rId10"/>
+    <p:sldLayoutId id="2147483672" r:id="rId11"/>
+    <p:sldLayoutId id="2147483673" r:id="rId12"/>
   </p:sldLayoutIdLst>
+  <p:txStyles>
+    <p:titleStyle>
+      <a:lvl1pPr algn="l" defTabSz="914400" rtl="0" eaLnBrk="1" latinLnBrk="0" hangingPunct="1">
+        <a:lnSpc>
+          <a:spcPct val="90000"/>
+        </a:lnSpc>
+        <a:spcBef>
+          <a:spcPct val="0"/>
+        </a:spcBef>
+        <a:buNone/>
+        <a:defRPr sz="4400" kern="1200">
+          <a:solidFill>
+            <a:schemeClr val="tx1"/>
+          </a:solidFill>
+          <a:latin typeface="+mj-lt"/>
+          <a:ea typeface="+mj-ea"/>
+          <a:cs typeface="+mj-cs"/>
+        </a:defRPr>
+      </a:lvl1pPr>
+    </p:titleStyle>
+    <p:bodyStyle>
+      <a:lvl1pPr marL="228600" indent="-228600" algn="l" defTabSz="914400" rtl="0" eaLnBrk="1" latinLnBrk="0" hangingPunct="1">
+        <a:lnSpc>
+          <a:spcPct val="90000"/>
+        </a:lnSpc>
+        <a:spcBef>
+          <a:spcPts val="1000"/>
+        </a:spcBef>
+        <a:buFont typeface="Arial" panose="020B0604020202020204" pitchFamily="34" charset="0"/>
+        <a:buChar char="•"/>
+        <a:defRPr sz="2800" kern="1200">
+          <a:solidFill>
+            <a:schemeClr val="tx1"/>
+          </a:solidFill>
+          <a:latin typeface="+mn-lt"/>
+          <a:ea typeface="+mn-ea"/>
+          <a:cs typeface="+mn-cs"/>
+        </a:defRPr>
+      </a:lvl1pPr>
+      <a:lvl2pPr marL="685800" indent="-228600" algn="l" defTabSz="914400" rtl="0" eaLnBrk="1" latinLnBrk="0" hangingPunct="1">
+        <a:lnSpc>
+          <a:spcPct val="90000"/>
+        </a:lnSpc>
+        <a:spcBef>
+          <a:spcPts val="500"/>
+        </a:spcBef>
+        <a:buFont typeface="Arial" panose="020B0604020202020204" pitchFamily="34" charset="0"/>
+        <a:buChar char="•"/>
+        <a:defRPr sz="2400" kern="1200">
+          <a:solidFill>
+            <a:schemeClr val="tx1"/>
+          </a:solidFill>
+          <a:latin typeface="+mn-lt"/>
+          <a:ea typeface="+mn-ea"/>
+          <a:cs typeface="+mn-cs"/>
+        </a:defRPr>
+      </a:lvl2pPr>
+      <a:lvl3pPr marL="1143000" indent="-228600" algn="l" defTabSz="914400" rtl="0" eaLnBrk="1" latinLnBrk="0" hangingPunct="1">
+        <a:lnSpc>
+          <a:spcPct val="90000"/>
+        </a:lnSpc>
+        <a:spcBef>
+          <a:spcPts val="500"/>
+        </a:spcBef>
+        <a:buFont typeface="Arial" panose="020B0604020202020204" pitchFamily="34" charset="0"/>
+        <a:buChar char="•"/>
+        <a:defRPr sz="2000" kern="1200">
+          <a:solidFill>
+            <a:schemeClr val="tx1"/>
+          </a:solidFill>
+          <a:latin typeface="+mn-lt"/>
+          <a:ea typeface="+mn-ea"/>
+          <a:cs typeface="+mn-cs"/>
+        </a:defRPr>
+      </a:lvl3pPr>
+      <a:lvl4pPr marL="1600200" indent="-228600" algn="l" defTabSz="914400" rtl="0" eaLnBrk="1" latinLnBrk="0" hangingPunct="1">
+        <a:lnSpc>
+          <a:spcPct val="90000"/>
+        </a:lnSpc>
+        <a:spcBef>
+          <a:spcPts val="500"/>
+        </a:spcBef>
+        <a:buFont typeface="Arial" panose="020B0604020202020204" pitchFamily="34" charset="0"/>
+        <a:buChar char="•"/>
+        <a:defRPr sz="1800" kern="1200">
+          <a:solidFill>
+            <a:schemeClr val="tx1"/>
+          </a:solidFill>
+          <a:latin typeface="+mn-lt"/>
+          <a:ea typeface="+mn-ea"/>
+          <a:cs typeface="+mn-cs"/>
+        </a:defRPr>
+      </a:lvl4pPr>
+      <a:lvl5pPr marL="2057400" indent="-228600" algn="l" defTabSz="914400" rtl="0" eaLnBrk="1" latinLnBrk="0" hangingPunct="1">
+        <a:lnSpc>
+          <a:spcPct val="90000"/>
+        </a:lnSpc>
+        <a:spcBef>
+          <a:spcPts val="500"/>
+        </a:spcBef>
+        <a:buFont typeface="Arial" panose="020B0604020202020204" pitchFamily="34" charset="0"/>
+        <a:buChar char="•"/>
+        <a:defRPr sz="1800" kern="1200">
+          <a:solidFill>
+            <a:schemeClr val="tx1"/>
+          </a:solidFill>
+          <a:latin typeface="+mn-lt"/>
+          <a:ea typeface="+mn-ea"/>
+          <a:cs typeface="+mn-cs"/>
+        </a:defRPr>
+      </a:lvl5pPr>
+      <a:lvl6pPr marL="2514600" indent="-228600" algn="l" defTabSz="914400" rtl="0" eaLnBrk="1" latinLnBrk="0" hangingPunct="1">
+        <a:lnSpc>
+          <a:spcPct val="90000"/>
+        </a:lnSpc>
+        <a:spcBef>
+          <a:spcPts val="500"/>
+        </a:spcBef>
+        <a:buFont typeface="Arial" panose="020B0604020202020204" pitchFamily="34" charset="0"/>
+        <a:buChar char="•"/>
+        <a:defRPr sz="1800" kern="1200">
+          <a:solidFill>
+            <a:schemeClr val="tx1"/>
+          </a:solidFill>
+          <a:latin typeface="+mn-lt"/>
+          <a:ea typeface="+mn-ea"/>
+          <a:cs typeface="+mn-cs"/>
+        </a:defRPr>
+      </a:lvl6pPr>
+      <a:lvl7pPr marL="2971800" indent="-228600" algn="l" defTabSz="914400" rtl="0" eaLnBrk="1" latinLnBrk="0" hangingPunct="1">
+        <a:lnSpc>
+          <a:spcPct val="90000"/>
+        </a:lnSpc>
+        <a:spcBef>
+          <a:spcPts val="500"/>
+        </a:spcBef>
+        <a:buFont typeface="Arial" panose="020B0604020202020204" pitchFamily="34" charset="0"/>
+        <a:buChar char="•"/>
+        <a:defRPr sz="1800" kern="1200">
+          <a:solidFill>
+            <a:schemeClr val="tx1"/>
+          </a:solidFill>
+          <a:latin typeface="+mn-lt"/>
+          <a:ea typeface="+mn-ea"/>
+          <a:cs typeface="+mn-cs"/>
+        </a:defRPr>
+      </a:lvl7pPr>
+      <a:lvl8pPr marL="3429000" indent="-228600" algn="l" defTabSz="914400" rtl="0" eaLnBrk="1" latinLnBrk="0" hangingPunct="1">
+        <a:lnSpc>
+          <a:spcPct val="90000"/>
+        </a:lnSpc>
+        <a:spcBef>
+          <a:spcPts val="500"/>
+        </a:spcBef>
+        <a:buFont typeface="Arial" panose="020B0604020202020204" pitchFamily="34" charset="0"/>
+        <a:buChar char="•"/>
+        <a:defRPr sz="1800" kern="1200">
+          <a:solidFill>
+            <a:schemeClr val="tx1"/>
+          </a:solidFill>
+          <a:latin typeface="+mn-lt"/>
+          <a:ea typeface="+mn-ea"/>
+          <a:cs typeface="+mn-cs"/>
+        </a:defRPr>
+      </a:lvl8pPr>
+      <a:lvl9pPr marL="3886200" indent="-228600" algn="l" defTabSz="914400" rtl="0" eaLnBrk="1" latinLnBrk="0" hangingPunct="1">
+        <a:lnSpc>
+          <a:spcPct val="90000"/>
+        </a:lnSpc>
+        <a:spcBef>
+          <a:spcPts val="500"/>
+        </a:spcBef>
+        <a:buFont typeface="Arial" panose="020B0604020202020204" pitchFamily="34" charset="0"/>
+        <a:buChar char="•"/>
+        <a:defRPr sz="1800" kern="1200">
+          <a:solidFill>
+            <a:schemeClr val="tx1"/>
+          </a:solidFill>
+          <a:latin typeface="+mn-lt"/>
+          <a:ea typeface="+mn-ea"/>
+          <a:cs typeface="+mn-cs"/>
+        </a:defRPr>
+      </a:lvl9pPr>
+    </p:bodyStyle>
+    <p:otherStyle>
+      <a:defPPr>
+        <a:defRPr lang="en-US"/>
+      </a:defPPr>
+      <a:lvl1pPr marL="0" algn="l" defTabSz="914400" rtl="0" eaLnBrk="1" latinLnBrk="0" hangingPunct="1">
+        <a:defRPr sz="1800" kern="1200">
+          <a:solidFill>
+            <a:schemeClr val="tx1"/>
+          </a:solidFill>
+          <a:latin typeface="+mn-lt"/>
+          <a:ea typeface="+mn-ea"/>
+          <a:cs typeface="+mn-cs"/>
+        </a:defRPr>
+      </a:lvl1pPr>
+      <a:lvl2pPr marL="457200" algn="l" defTabSz="914400" rtl="0" eaLnBrk="1" latinLnBrk="0" hangingPunct="1">
+        <a:defRPr sz="1800" kern="1200">
+          <a:solidFill>
+            <a:schemeClr val="tx1"/>
+          </a:solidFill>
+          <a:latin typeface="+mn-lt"/>
+          <a:ea typeface="+mn-ea"/>
+          <a:cs typeface="+mn-cs"/>
+        </a:defRPr>
+      </a:lvl2pPr>
+      <a:lvl3pPr marL="914400" algn="l" defTabSz="914400" rtl="0" eaLnBrk="1" latinLnBrk="0" hangingPunct="1">
+        <a:defRPr sz="1800" kern="1200">
+          <a:solidFill>
+            <a:schemeClr val="tx1"/>
+          </a:solidFill>
+          <a:latin typeface="+mn-lt"/>
+          <a:ea typeface="+mn-ea"/>
+          <a:cs typeface="+mn-cs"/>
+        </a:defRPr>
+      </a:lvl3pPr>
+      <a:lvl4pPr marL="1371600" algn="l" defTabSz="914400" rtl="0" eaLnBrk="1" latinLnBrk="0" hangingPunct="1">
+        <a:defRPr sz="1800" kern="1200">
+          <a:solidFill>
+            <a:schemeClr val="tx1"/>
+          </a:solidFill>
+          <a:latin typeface="+mn-lt"/>
+          <a:ea typeface="+mn-ea"/>
+          <a:cs typeface="+mn-cs"/>
+        </a:defRPr>
+      </a:lvl4pPr>
+      <a:lvl5pPr marL="1828800" algn="l" defTabSz="914400" rtl="0" eaLnBrk="1" latinLnBrk="0" hangingPunct="1">
+        <a:defRPr sz="1800" kern="1200">
+          <a:solidFill>
+            <a:schemeClr val="tx1"/>
+          </a:solidFill>
+          <a:latin typeface="+mn-lt"/>
+          <a:ea typeface="+mn-ea"/>
+          <a:cs typeface="+mn-cs"/>
+        </a:defRPr>
+      </a:lvl5pPr>
+      <a:lvl6pPr marL="2286000" algn="l" defTabSz="914400" rtl="0" eaLnBrk="1" latinLnBrk="0" hangingPunct="1">
+        <a:defRPr sz="1800" kern="1200">
+          <a:solidFill>
+            <a:schemeClr val="tx1"/>
+          </a:solidFill>
+          <a:latin typeface="+mn-lt"/>
+          <a:ea typeface="+mn-ea"/>
+          <a:cs typeface="+mn-cs"/>
+        </a:defRPr>
+      </a:lvl6pPr>
+      <a:lvl7pPr marL="2743200" algn="l" defTabSz="914400" rtl="0" eaLnBrk="1" latinLnBrk="0" hangingPunct="1">
+        <a:defRPr sz="1800" kern="1200">
+          <a:solidFill>
+            <a:schemeClr val="tx1"/>
+          </a:solidFill>
+          <a:latin typeface="+mn-lt"/>
+          <a:ea typeface="+mn-ea"/>
+          <a:cs typeface="+mn-cs"/>
+        </a:defRPr>
+      </a:lvl7pPr>
+      <a:lvl8pPr marL="3200400" algn="l" defTabSz="914400" rtl="0" eaLnBrk="1" latinLnBrk="0" hangingPunct="1">
+        <a:defRPr sz="1800" kern="1200">
+          <a:solidFill>
+            <a:schemeClr val="tx1"/>
+          </a:solidFill>
+          <a:latin typeface="+mn-lt"/>
+          <a:ea typeface="+mn-ea"/>
+          <a:cs typeface="+mn-cs"/>
+        </a:defRPr>
+      </a:lvl8pPr>
+      <a:lvl9pPr marL="3657600" algn="l" defTabSz="914400" rtl="0" eaLnBrk="1" latinLnBrk="0" hangingPunct="1">
+        <a:defRPr sz="1800" kern="1200">
+          <a:solidFill>
+            <a:schemeClr val="tx1"/>
+          </a:solidFill>
+          <a:latin typeface="+mn-lt"/>
+          <a:ea typeface="+mn-ea"/>
+          <a:cs typeface="+mn-cs"/>
+        </a:defRPr>
+      </a:lvl9pPr>
+    </p:otherStyle>
+  </p:txStyles>
 </p:sldMaster>
 </file>
 
 <file path=ppt/slides/slide1.xml><?xml version="1.0" encoding="utf-8"?>
-<p:sld xmlns:a="http://schemas.openxmlformats.org/drawingml/2006/main" xmlns:p="http://schemas.openxmlformats.org/presentationml/2006/main" xmlns:r="http://schemas.openxmlformats.org/officeDocument/2006/relationships" xmlns:p14="http://schemas.microsoft.com/office/powerpoint/2010/main" xmlns:p15="http://schemas.microsoft.com/office/powerpoint/2012/main" xmlns:mc="http://schemas.openxmlformats.org/markup-compatibility/2006">
+<p:sld xmlns:a="http://schemas.openxmlformats.org/drawingml/2006/main" xmlns:r="http://schemas.openxmlformats.org/officeDocument/2006/relationships" xmlns:p="http://schemas.openxmlformats.org/presentationml/2006/main">
   <p:cSld>
     <p:spTree>
       <p:nvGrpSpPr>
@@ -3957,6 +4704,7 @@
         </p:spPr>
         <p:txBody>
           <a:bodyPr bIns="0" anchor="b"/>
+          <a:lstStyle/>
           <a:p>
             <a:pPr>
               <a:lnSpc>
@@ -3964,7 +4712,7 @@
               </a:lnSpc>
             </a:pPr>
             <a:r>
-              <a:rPr b="0" lang="en-US" sz="6600" spc="-1" strike="noStrike" cap="all">
+              <a:rPr lang="en-US" sz="6600" b="0" strike="noStrike" cap="all" spc="-1">
                 <a:solidFill>
                   <a:srgbClr val="000000"/>
                 </a:solidFill>
@@ -3972,7 +4720,7 @@
               </a:rPr>
               <a:t>Chatbot</a:t>
             </a:r>
-            <a:endParaRPr b="0" lang="en-US" sz="6600" spc="-1" strike="noStrike">
+            <a:endParaRPr lang="en-US" sz="6600" b="0" strike="noStrike" spc="-1">
               <a:solidFill>
                 <a:srgbClr val="000000"/>
               </a:solidFill>
@@ -4002,6 +4750,7 @@
         </p:spPr>
         <p:txBody>
           <a:bodyPr tIns="91440" bIns="91440"/>
+          <a:lstStyle/>
           <a:p>
             <a:pPr>
               <a:lnSpc>
@@ -4012,7 +4761,7 @@
               </a:spcBef>
             </a:pPr>
             <a:r>
-              <a:rPr b="0" lang="en-US" sz="1800" spc="-1" strike="noStrike" cap="all">
+              <a:rPr lang="en-US" sz="1800" b="0" strike="noStrike" cap="all" spc="-1">
                 <a:solidFill>
                   <a:srgbClr val="000000"/>
                 </a:solidFill>
@@ -4020,7 +4769,7 @@
               </a:rPr>
               <a:t>Daniel Ghazvini</a:t>
             </a:r>
-            <a:endParaRPr b="0" lang="en-US" sz="1800" spc="-1" strike="noStrike">
+            <a:endParaRPr lang="en-US" sz="1800" b="0" strike="noStrike" spc="-1">
               <a:latin typeface="Arial"/>
             </a:endParaRPr>
           </a:p>
@@ -4028,14 +4777,9 @@
       </p:sp>
     </p:spTree>
   </p:cSld>
-  <mc:AlternateContent>
-    <mc:Choice Requires="p14">
-      <p:transition spd="slow" p14:dur="2000"/>
-    </mc:Choice>
-    <mc:Fallback>
-      <p:transition spd="slow"/>
-    </mc:Fallback>
-  </mc:AlternateContent>
+  <p:clrMapOvr>
+    <a:masterClrMapping/>
+  </p:clrMapOvr>
   <p:timing>
     <p:tnLst>
       <p:par>
@@ -4044,14 +4788,14 @@
             <p:seq>
               <p:cTn id="2" dur="indefinite" nodeType="mainSeq"/>
               <p:prevCondLst>
-                <p:cond delay="0" evt="onPrev">
+                <p:cond evt="onPrev" delay="0">
                   <p:tgtEl>
                     <p:sldTgt/>
                   </p:tgtEl>
                 </p:cond>
               </p:prevCondLst>
               <p:nextCondLst>
-                <p:cond delay="0" evt="onNext">
+                <p:cond evt="onNext" delay="0">
                   <p:tgtEl>
                     <p:sldTgt/>
                   </p:tgtEl>
@@ -4067,7 +4811,7 @@
 </file>
 
 <file path=ppt/slides/slide2.xml><?xml version="1.0" encoding="utf-8"?>
-<p:sld xmlns:a="http://schemas.openxmlformats.org/drawingml/2006/main" xmlns:p="http://schemas.openxmlformats.org/presentationml/2006/main" xmlns:r="http://schemas.openxmlformats.org/officeDocument/2006/relationships" xmlns:p14="http://schemas.microsoft.com/office/powerpoint/2010/main" xmlns:p15="http://schemas.microsoft.com/office/powerpoint/2012/main" xmlns:mc="http://schemas.openxmlformats.org/markup-compatibility/2006">
+<p:sld xmlns:a="http://schemas.openxmlformats.org/drawingml/2006/main" xmlns:r="http://schemas.openxmlformats.org/officeDocument/2006/relationships" xmlns:p="http://schemas.openxmlformats.org/presentationml/2006/main">
   <p:cSld>
     <p:spTree>
       <p:nvGrpSpPr>
@@ -4104,14 +4848,15 @@
         </p:spPr>
         <p:txBody>
           <a:bodyPr/>
-          <a:p>
-            <a:pPr>
+          <a:lstStyle/>
+          <a:p>
+            <a:pPr algn="ctr">
               <a:lnSpc>
                 <a:spcPct val="90000"/>
               </a:lnSpc>
             </a:pPr>
             <a:r>
-              <a:rPr b="0" lang="en-US" sz="3200" spc="-1" strike="noStrike" cap="all">
+              <a:rPr lang="en-US" sz="3200" b="0" strike="noStrike" cap="all" spc="-1" dirty="0">
                 <a:solidFill>
                   <a:srgbClr val="000000"/>
                 </a:solidFill>
@@ -4119,7 +4864,7 @@
               </a:rPr>
               <a:t>Dataset: Cornell movie-dialogs corpus</a:t>
             </a:r>
-            <a:endParaRPr b="0" lang="en-US" sz="3200" spc="-1" strike="noStrike">
+            <a:endParaRPr lang="en-US" sz="3200" b="0" strike="noStrike" spc="-1" dirty="0">
               <a:solidFill>
                 <a:srgbClr val="000000"/>
               </a:solidFill>
@@ -4149,6 +4894,7 @@
         </p:spPr>
         <p:txBody>
           <a:bodyPr/>
+          <a:lstStyle/>
           <a:p>
             <a:pPr marL="228600" indent="-228240">
               <a:lnSpc>
@@ -4158,13 +4904,13 @@
                 <a:spcPts val="1001"/>
               </a:spcBef>
               <a:buClr>
-                <a:srgbClr val="b71e42"/>
+                <a:srgbClr val="B71E42"/>
               </a:buClr>
               <a:buFont typeface="Arial"/>
               <a:buChar char="•"/>
             </a:pPr>
             <a:r>
-              <a:rPr b="0" lang="en-US" sz="2000" spc="-1" strike="noStrike">
+              <a:rPr lang="en-US" sz="2000" b="0" strike="noStrike" spc="-1" dirty="0">
                 <a:solidFill>
                   <a:srgbClr val="000000"/>
                 </a:solidFill>
@@ -4172,7 +4918,31 @@
               </a:rPr>
               <a:t>220, 579 conversational exchanges between 10,292 pairs of movie characters</a:t>
             </a:r>
-            <a:endParaRPr b="0" lang="en-US" sz="2000" spc="-1" strike="noStrike">
+          </a:p>
+          <a:p>
+            <a:pPr marL="228600" indent="-228240">
+              <a:lnSpc>
+                <a:spcPct val="120000"/>
+              </a:lnSpc>
+              <a:spcBef>
+                <a:spcPts val="1001"/>
+              </a:spcBef>
+              <a:buClr>
+                <a:srgbClr val="B71E42"/>
+              </a:buClr>
+              <a:buFont typeface="Arial"/>
+              <a:buChar char="•"/>
+            </a:pPr>
+            <a:r>
+              <a:rPr lang="en-US" sz="2000" spc="-1" dirty="0">
+                <a:solidFill>
+                  <a:srgbClr val="000000"/>
+                </a:solidFill>
+                <a:latin typeface="Gill Sans MT"/>
+              </a:rPr>
+              <a:t>Other movie metadata (genres, release year, IMDB rating etc.)</a:t>
+            </a:r>
+            <a:endParaRPr lang="en-US" sz="2000" b="0" strike="noStrike" spc="-1" dirty="0">
               <a:solidFill>
                 <a:srgbClr val="000000"/>
               </a:solidFill>
@@ -4183,30 +4953,25 @@
       </p:sp>
     </p:spTree>
   </p:cSld>
-  <mc:AlternateContent>
-    <mc:Choice Requires="p14">
-      <p:transition spd="slow" p14:dur="2000"/>
-    </mc:Choice>
-    <mc:Fallback>
-      <p:transition spd="slow"/>
-    </mc:Fallback>
-  </mc:AlternateContent>
+  <p:clrMapOvr>
+    <a:masterClrMapping/>
+  </p:clrMapOvr>
   <p:timing>
     <p:tnLst>
       <p:par>
-        <p:cTn id="3" dur="indefinite" restart="never" nodeType="tmRoot">
+        <p:cTn id="1" dur="indefinite" restart="never" nodeType="tmRoot">
           <p:childTnLst>
             <p:seq>
-              <p:cTn id="4" dur="indefinite" nodeType="mainSeq"/>
+              <p:cTn id="2" dur="indefinite" nodeType="mainSeq"/>
               <p:prevCondLst>
-                <p:cond delay="0" evt="onPrev">
+                <p:cond evt="onPrev" delay="0">
                   <p:tgtEl>
                     <p:sldTgt/>
                   </p:tgtEl>
                 </p:cond>
               </p:prevCondLst>
               <p:nextCondLst>
-                <p:cond delay="0" evt="onNext">
+                <p:cond evt="onNext" delay="0">
                   <p:tgtEl>
                     <p:sldTgt/>
                   </p:tgtEl>
@@ -4222,7 +4987,7 @@
 </file>
 
 <file path=ppt/slides/slide3.xml><?xml version="1.0" encoding="utf-8"?>
-<p:sld xmlns:a="http://schemas.openxmlformats.org/drawingml/2006/main" xmlns:p="http://schemas.openxmlformats.org/presentationml/2006/main" xmlns:r="http://schemas.openxmlformats.org/officeDocument/2006/relationships" xmlns:p14="http://schemas.microsoft.com/office/powerpoint/2010/main" xmlns:p15="http://schemas.microsoft.com/office/powerpoint/2012/main" xmlns:mc="http://schemas.openxmlformats.org/markup-compatibility/2006">
+<p:sld xmlns:a="http://schemas.openxmlformats.org/drawingml/2006/main" xmlns:r="http://schemas.openxmlformats.org/officeDocument/2006/relationships" xmlns:p="http://schemas.openxmlformats.org/presentationml/2006/main">
   <p:cSld>
     <p:spTree>
       <p:nvGrpSpPr>
@@ -4259,14 +5024,15 @@
         </p:spPr>
         <p:txBody>
           <a:bodyPr/>
-          <a:p>
-            <a:pPr>
+          <a:lstStyle/>
+          <a:p>
+            <a:pPr algn="ctr">
               <a:lnSpc>
                 <a:spcPct val="90000"/>
               </a:lnSpc>
             </a:pPr>
             <a:r>
-              <a:rPr b="0" lang="en-US" sz="3200" spc="-1" strike="noStrike" cap="all">
+              <a:rPr lang="en-US" sz="3200" b="0" strike="noStrike" cap="all" spc="-1" dirty="0">
                 <a:solidFill>
                   <a:srgbClr val="000000"/>
                 </a:solidFill>
@@ -4274,12 +5040,6 @@
               </a:rPr>
               <a:t>Question and response Pairs</a:t>
             </a:r>
-            <a:endParaRPr b="0" lang="en-US" sz="3200" spc="-1" strike="noStrike" cap="all">
-              <a:solidFill>
-                <a:srgbClr val="000000"/>
-              </a:solidFill>
-              <a:latin typeface="Gill Sans MT"/>
-            </a:endParaRPr>
           </a:p>
         </p:txBody>
       </p:sp>
@@ -4304,42 +5064,74 @@
         </p:spPr>
         <p:txBody>
           <a:bodyPr/>
-          <a:p>
-            <a:endParaRPr b="0" lang="en-US" sz="2000" spc="-1" strike="noStrike">
-              <a:solidFill>
-                <a:srgbClr val="000000"/>
-              </a:solidFill>
-              <a:latin typeface="Gill Sans MT"/>
-            </a:endParaRPr>
-          </a:p>
-        </p:txBody>
-      </p:sp>
+          <a:lstStyle/>
+          <a:p>
+            <a:endParaRPr lang="en-US" sz="2000" b="0" strike="noStrike" spc="-1">
+              <a:solidFill>
+                <a:srgbClr val="000000"/>
+              </a:solidFill>
+              <a:latin typeface="Gill Sans MT"/>
+            </a:endParaRPr>
+          </a:p>
+        </p:txBody>
+      </p:sp>
+      <p:pic>
+        <p:nvPicPr>
+          <p:cNvPr id="5" name="Picture 4">
+            <a:extLst>
+              <a:ext uri="{FF2B5EF4-FFF2-40B4-BE49-F238E27FC236}">
+                <a16:creationId xmlns:a16="http://schemas.microsoft.com/office/drawing/2014/main" id="{468B765A-FEE8-4C02-9351-30606768D491}"/>
+              </a:ext>
+            </a:extLst>
+          </p:cNvPr>
+          <p:cNvPicPr>
+            <a:picLocks noChangeAspect="1"/>
+          </p:cNvPicPr>
+          <p:nvPr/>
+        </p:nvPicPr>
+        <p:blipFill>
+          <a:blip r:embed="rId2">
+            <a:extLst>
+              <a:ext uri="{28A0092B-C50C-407E-A947-70E740481C1C}">
+                <a14:useLocalDpi xmlns:a14="http://schemas.microsoft.com/office/drawing/2010/main" val="0"/>
+              </a:ext>
+            </a:extLst>
+          </a:blip>
+          <a:stretch>
+            <a:fillRect/>
+          </a:stretch>
+        </p:blipFill>
+        <p:spPr>
+          <a:xfrm>
+            <a:off x="0" y="1632511"/>
+            <a:ext cx="12192000" cy="4244506"/>
+          </a:xfrm>
+          <a:prstGeom prst="rect">
+            <a:avLst/>
+          </a:prstGeom>
+        </p:spPr>
+      </p:pic>
     </p:spTree>
   </p:cSld>
-  <mc:AlternateContent>
-    <mc:Choice Requires="p14">
-      <p:transition spd="slow" p14:dur="2000"/>
-    </mc:Choice>
-    <mc:Fallback>
-      <p:transition spd="slow"/>
-    </mc:Fallback>
-  </mc:AlternateContent>
+  <p:clrMapOvr>
+    <a:masterClrMapping/>
+  </p:clrMapOvr>
   <p:timing>
     <p:tnLst>
       <p:par>
-        <p:cTn id="5" dur="indefinite" restart="never" nodeType="tmRoot">
+        <p:cTn id="1" dur="indefinite" restart="never" nodeType="tmRoot">
           <p:childTnLst>
             <p:seq>
-              <p:cTn id="6" dur="indefinite" nodeType="mainSeq"/>
+              <p:cTn id="2" dur="indefinite" nodeType="mainSeq"/>
               <p:prevCondLst>
-                <p:cond delay="0" evt="onPrev">
+                <p:cond evt="onPrev" delay="0">
                   <p:tgtEl>
                     <p:sldTgt/>
                   </p:tgtEl>
                 </p:cond>
               </p:prevCondLst>
               <p:nextCondLst>
-                <p:cond delay="0" evt="onNext">
+                <p:cond evt="onNext" delay="0">
                   <p:tgtEl>
                     <p:sldTgt/>
                   </p:tgtEl>
@@ -4355,7 +5147,7 @@
 </file>
 
 <file path=ppt/slides/slide4.xml><?xml version="1.0" encoding="utf-8"?>
-<p:sld xmlns:a="http://schemas.openxmlformats.org/drawingml/2006/main" xmlns:p="http://schemas.openxmlformats.org/presentationml/2006/main" xmlns:r="http://schemas.openxmlformats.org/officeDocument/2006/relationships" xmlns:p14="http://schemas.microsoft.com/office/powerpoint/2010/main" xmlns:p15="http://schemas.microsoft.com/office/powerpoint/2012/main" xmlns:mc="http://schemas.openxmlformats.org/markup-compatibility/2006">
+<p:sld xmlns:a="http://schemas.openxmlformats.org/drawingml/2006/main" xmlns:r="http://schemas.openxmlformats.org/officeDocument/2006/relationships" xmlns:p="http://schemas.openxmlformats.org/presentationml/2006/main">
   <p:cSld>
     <p:spTree>
       <p:nvGrpSpPr>
@@ -4392,14 +5184,15 @@
         </p:spPr>
         <p:txBody>
           <a:bodyPr/>
-          <a:p>
-            <a:pPr>
+          <a:lstStyle/>
+          <a:p>
+            <a:pPr algn="ctr">
               <a:lnSpc>
                 <a:spcPct val="90000"/>
               </a:lnSpc>
             </a:pPr>
             <a:r>
-              <a:rPr b="0" lang="en-US" sz="3200" spc="-1" strike="noStrike" cap="all">
+              <a:rPr lang="en-US" sz="3200" b="0" strike="noStrike" cap="all" spc="-1" dirty="0">
                 <a:solidFill>
                   <a:srgbClr val="000000"/>
                 </a:solidFill>
@@ -4407,7 +5200,7 @@
               </a:rPr>
               <a:t>Methodology – Fuzzy matching</a:t>
             </a:r>
-            <a:endParaRPr b="0" lang="en-US" sz="3200" spc="-1" strike="noStrike">
+            <a:endParaRPr lang="en-US" sz="3200" b="0" strike="noStrike" spc="-1" dirty="0">
               <a:solidFill>
                 <a:srgbClr val="000000"/>
               </a:solidFill>
@@ -4424,7 +5217,7 @@
         </p:nvSpPr>
         <p:spPr>
           <a:xfrm>
-            <a:off x="1371600" y="2011680"/>
+            <a:off x="901083" y="2011680"/>
             <a:ext cx="9603000" cy="3450240"/>
           </a:xfrm>
           <a:prstGeom prst="rect">
@@ -4437,6 +5230,7 @@
         </p:spPr>
         <p:txBody>
           <a:bodyPr/>
+          <a:lstStyle/>
           <a:p>
             <a:pPr marL="228600" indent="-228240">
               <a:lnSpc>
@@ -4446,13 +5240,13 @@
                 <a:spcPts val="1001"/>
               </a:spcBef>
               <a:buClr>
-                <a:srgbClr val="b71e42"/>
+                <a:srgbClr val="B71E42"/>
               </a:buClr>
               <a:buFont typeface="Arial"/>
               <a:buChar char="•"/>
             </a:pPr>
             <a:r>
-              <a:rPr b="0" lang="en-US" sz="2000" spc="-1" strike="noStrike">
+              <a:rPr lang="en-US" sz="2000" b="0" strike="noStrike" spc="-1" dirty="0">
                 <a:solidFill>
                   <a:srgbClr val="000000"/>
                 </a:solidFill>
@@ -4460,15 +5254,9 @@
               </a:rPr>
               <a:t>Levenshtein Distance</a:t>
             </a:r>
-            <a:endParaRPr b="0" lang="en-US" sz="2000" spc="-1" strike="noStrike">
-              <a:solidFill>
-                <a:srgbClr val="000000"/>
-              </a:solidFill>
-              <a:latin typeface="Gill Sans MT"/>
-            </a:endParaRPr>
-          </a:p>
-          <a:p>
-            <a:pPr lvl="1" marL="864000" indent="-324000">
+          </a:p>
+          <a:p>
+            <a:pPr marL="864000" lvl="1" indent="-324000">
               <a:spcBef>
                 <a:spcPts val="1134"/>
               </a:spcBef>
@@ -4480,7 +5268,7 @@
               <a:buChar char=""/>
             </a:pPr>
             <a:r>
-              <a:rPr b="0" lang="en-US" sz="1600" spc="-1" strike="noStrike">
+              <a:rPr lang="en-US" sz="1600" b="0" strike="noStrike" spc="-1" dirty="0">
                 <a:solidFill>
                   <a:srgbClr val="000000"/>
                 </a:solidFill>
@@ -4488,15 +5276,9 @@
               </a:rPr>
               <a:t>Measurement of number of edits between 2 strings</a:t>
             </a:r>
-            <a:endParaRPr b="0" lang="en-US" sz="1600" spc="-1" strike="noStrike">
-              <a:solidFill>
-                <a:srgbClr val="000000"/>
-              </a:solidFill>
-              <a:latin typeface="Gill Sans MT"/>
-            </a:endParaRPr>
-          </a:p>
-          <a:p>
-            <a:pPr lvl="1" marL="864000" indent="-324000">
+          </a:p>
+          <a:p>
+            <a:pPr marL="864000" lvl="1" indent="-324000">
               <a:spcBef>
                 <a:spcPts val="1134"/>
               </a:spcBef>
@@ -4508,20 +5290,50 @@
               <a:buChar char=""/>
             </a:pPr>
             <a:r>
-              <a:rPr b="0" lang="en-US" sz="1600" spc="-1" strike="noStrike">
+              <a:rPr lang="en-US" sz="1600" b="0" strike="noStrike" spc="-1" dirty="0">
                 <a:solidFill>
                   <a:srgbClr val="000000"/>
                 </a:solidFill>
                 <a:latin typeface="Gill Sans MT"/>
               </a:rPr>
-              <a:t>E.g. THURSDAY → TUESDAY = 2 LD (1 Deletion and 1 Change) </a:t>
+              <a:t>E.g. T</a:t>
             </a:r>
-            <a:endParaRPr b="0" lang="en-US" sz="1600" spc="-1" strike="noStrike">
-              <a:solidFill>
-                <a:srgbClr val="000000"/>
-              </a:solidFill>
-              <a:latin typeface="Gill Sans MT"/>
-            </a:endParaRPr>
+            <a:r>
+              <a:rPr lang="en-US" sz="1600" b="0" strike="noStrike" spc="-1" dirty="0">
+                <a:solidFill>
+                  <a:srgbClr val="FF0000"/>
+                </a:solidFill>
+                <a:latin typeface="Gill Sans MT"/>
+              </a:rPr>
+              <a:t>H</a:t>
+            </a:r>
+            <a:r>
+              <a:rPr lang="en-US" sz="1600" b="0" strike="noStrike" spc="-1" dirty="0">
+                <a:solidFill>
+                  <a:srgbClr val="000000"/>
+                </a:solidFill>
+                <a:latin typeface="Gill Sans MT"/>
+              </a:rPr>
+              <a:t>U</a:t>
+            </a:r>
+            <a:r>
+              <a:rPr lang="en-US" sz="1600" b="0" strike="noStrike" spc="-1" dirty="0">
+                <a:solidFill>
+                  <a:srgbClr val="00B0F0"/>
+                </a:solidFill>
+                <a:latin typeface="Gill Sans MT"/>
+              </a:rPr>
+              <a:t>R</a:t>
+            </a:r>
+            <a:r>
+              <a:rPr lang="en-US" sz="1600" b="0" strike="noStrike" spc="-1" dirty="0">
+                <a:solidFill>
+                  <a:srgbClr val="000000"/>
+                </a:solidFill>
+                <a:latin typeface="Gill Sans MT"/>
+              </a:rPr>
+              <a:t>SDAY → TUESDAY = 2 LD (1 Deletion and 1 Change) </a:t>
+            </a:r>
           </a:p>
           <a:p>
             <a:pPr marL="228600" indent="-228240">
@@ -4532,13 +5344,13 @@
                 <a:spcPts val="1001"/>
               </a:spcBef>
               <a:buClr>
-                <a:srgbClr val="b71e42"/>
+                <a:srgbClr val="B71E42"/>
               </a:buClr>
               <a:buFont typeface="Arial"/>
               <a:buChar char="•"/>
             </a:pPr>
             <a:r>
-              <a:rPr b="0" lang="en-US" sz="2000" spc="-1" strike="noStrike">
+              <a:rPr lang="en-US" sz="2000" b="0" strike="noStrike" spc="-1" dirty="0">
                 <a:solidFill>
                   <a:srgbClr val="000000"/>
                 </a:solidFill>
@@ -4546,15 +5358,9 @@
               </a:rPr>
               <a:t>Hamming Distance</a:t>
             </a:r>
-            <a:endParaRPr b="0" lang="en-US" sz="2000" spc="-1" strike="noStrike">
-              <a:solidFill>
-                <a:srgbClr val="000000"/>
-              </a:solidFill>
-              <a:latin typeface="Gill Sans MT"/>
-            </a:endParaRPr>
-          </a:p>
-          <a:p>
-            <a:pPr lvl="1" marL="864000" indent="-324000">
+          </a:p>
+          <a:p>
+            <a:pPr marL="864000" lvl="1" indent="-324000">
               <a:spcBef>
                 <a:spcPts val="1134"/>
               </a:spcBef>
@@ -4566,7 +5372,7 @@
               <a:buChar char=""/>
             </a:pPr>
             <a:r>
-              <a:rPr b="0" lang="en-US" sz="1600" spc="-1" strike="noStrike">
+              <a:rPr lang="en-US" sz="1600" b="0" strike="noStrike" spc="-1" dirty="0">
                 <a:solidFill>
                   <a:srgbClr val="000000"/>
                 </a:solidFill>
@@ -4574,15 +5380,9 @@
               </a:rPr>
               <a:t>Similar but for strings with same length</a:t>
             </a:r>
-            <a:endParaRPr b="0" lang="en-US" sz="1600" spc="-1" strike="noStrike">
-              <a:solidFill>
-                <a:srgbClr val="000000"/>
-              </a:solidFill>
-              <a:latin typeface="Gill Sans MT"/>
-            </a:endParaRPr>
-          </a:p>
-          <a:p>
-            <a:pPr lvl="1" marL="864000" indent="-324000">
+          </a:p>
+          <a:p>
+            <a:pPr marL="864000" lvl="1" indent="-324000">
               <a:spcBef>
                 <a:spcPts val="1134"/>
               </a:spcBef>
@@ -4594,7 +5394,7 @@
               <a:buChar char=""/>
             </a:pPr>
             <a:r>
-              <a:rPr b="0" lang="en-US" sz="1600" spc="-1" strike="noStrike">
+              <a:rPr lang="en-US" sz="1600" b="0" strike="noStrike" spc="-1" dirty="0">
                 <a:solidFill>
                   <a:srgbClr val="000000"/>
                 </a:solidFill>
@@ -4602,41 +5402,66 @@
               </a:rPr>
               <a:t>Faster</a:t>
             </a:r>
-            <a:endParaRPr b="0" lang="en-US" sz="1600" spc="-1" strike="noStrike">
-              <a:solidFill>
-                <a:srgbClr val="000000"/>
-              </a:solidFill>
-              <a:latin typeface="Gill Sans MT"/>
-            </a:endParaRPr>
-          </a:p>
-        </p:txBody>
-      </p:sp>
+          </a:p>
+        </p:txBody>
+      </p:sp>
+      <p:pic>
+        <p:nvPicPr>
+          <p:cNvPr id="3" name="Picture 2">
+            <a:extLst>
+              <a:ext uri="{FF2B5EF4-FFF2-40B4-BE49-F238E27FC236}">
+                <a16:creationId xmlns:a16="http://schemas.microsoft.com/office/drawing/2014/main" id="{8EA731A1-F2BB-4B93-960A-C3D3A9AE19AF}"/>
+              </a:ext>
+            </a:extLst>
+          </p:cNvPr>
+          <p:cNvPicPr>
+            <a:picLocks noChangeAspect="1"/>
+          </p:cNvPicPr>
+          <p:nvPr/>
+        </p:nvPicPr>
+        <p:blipFill>
+          <a:blip r:embed="rId2">
+            <a:extLst>
+              <a:ext uri="{28A0092B-C50C-407E-A947-70E740481C1C}">
+                <a14:useLocalDpi xmlns:a14="http://schemas.microsoft.com/office/drawing/2010/main" val="0"/>
+              </a:ext>
+            </a:extLst>
+          </a:blip>
+          <a:stretch>
+            <a:fillRect/>
+          </a:stretch>
+        </p:blipFill>
+        <p:spPr>
+          <a:xfrm>
+            <a:off x="7306322" y="2104009"/>
+            <a:ext cx="4714044" cy="1660124"/>
+          </a:xfrm>
+          <a:prstGeom prst="rect">
+            <a:avLst/>
+          </a:prstGeom>
+        </p:spPr>
+      </p:pic>
     </p:spTree>
   </p:cSld>
-  <mc:AlternateContent>
-    <mc:Choice Requires="p14">
-      <p:transition spd="slow" p14:dur="2000"/>
-    </mc:Choice>
-    <mc:Fallback>
-      <p:transition spd="slow"/>
-    </mc:Fallback>
-  </mc:AlternateContent>
+  <p:clrMapOvr>
+    <a:masterClrMapping/>
+  </p:clrMapOvr>
   <p:timing>
     <p:tnLst>
       <p:par>
-        <p:cTn id="7" dur="indefinite" restart="never" nodeType="tmRoot">
+        <p:cTn id="1" dur="indefinite" restart="never" nodeType="tmRoot">
           <p:childTnLst>
             <p:seq>
-              <p:cTn id="8" dur="indefinite" nodeType="mainSeq"/>
+              <p:cTn id="2" dur="indefinite" nodeType="mainSeq"/>
               <p:prevCondLst>
-                <p:cond delay="0" evt="onPrev">
+                <p:cond evt="onPrev" delay="0">
                   <p:tgtEl>
                     <p:sldTgt/>
                   </p:tgtEl>
                 </p:cond>
               </p:prevCondLst>
               <p:nextCondLst>
-                <p:cond delay="0" evt="onNext">
+                <p:cond evt="onNext" delay="0">
                   <p:tgtEl>
                     <p:sldTgt/>
                   </p:tgtEl>
@@ -4652,7 +5477,7 @@
 </file>
 
 <file path=ppt/slides/slide5.xml><?xml version="1.0" encoding="utf-8"?>
-<p:sld xmlns:a="http://schemas.openxmlformats.org/drawingml/2006/main" xmlns:p="http://schemas.openxmlformats.org/presentationml/2006/main" xmlns:r="http://schemas.openxmlformats.org/officeDocument/2006/relationships" xmlns:p14="http://schemas.microsoft.com/office/powerpoint/2010/main" xmlns:p15="http://schemas.microsoft.com/office/powerpoint/2012/main" xmlns:mc="http://schemas.openxmlformats.org/markup-compatibility/2006">
+<p:sld xmlns:a="http://schemas.openxmlformats.org/drawingml/2006/main" xmlns:r="http://schemas.openxmlformats.org/officeDocument/2006/relationships" xmlns:p="http://schemas.openxmlformats.org/presentationml/2006/main">
   <p:cSld>
     <p:spTree>
       <p:nvGrpSpPr>
@@ -4689,14 +5514,15 @@
         </p:spPr>
         <p:txBody>
           <a:bodyPr/>
-          <a:p>
-            <a:pPr>
+          <a:lstStyle/>
+          <a:p>
+            <a:pPr algn="ctr">
               <a:lnSpc>
                 <a:spcPct val="90000"/>
               </a:lnSpc>
             </a:pPr>
             <a:r>
-              <a:rPr b="0" lang="en-US" sz="3200" spc="-1" strike="noStrike" cap="all">
+              <a:rPr lang="en-US" sz="3200" b="0" strike="noStrike" cap="all" spc="-1" dirty="0">
                 <a:solidFill>
                   <a:srgbClr val="000000"/>
                 </a:solidFill>
@@ -4704,7 +5530,7 @@
               </a:rPr>
               <a:t>Output</a:t>
             </a:r>
-            <a:endParaRPr b="0" lang="en-US" sz="3200" spc="-1" strike="noStrike">
+            <a:endParaRPr lang="en-US" sz="3200" b="0" strike="noStrike" spc="-1" dirty="0">
               <a:solidFill>
                 <a:srgbClr val="000000"/>
               </a:solidFill>
@@ -4734,42 +5560,74 @@
         </p:spPr>
         <p:txBody>
           <a:bodyPr/>
-          <a:p>
-            <a:endParaRPr b="0" lang="en-US" sz="2000" spc="-1" strike="noStrike">
-              <a:solidFill>
-                <a:srgbClr val="000000"/>
-              </a:solidFill>
-              <a:latin typeface="Gill Sans MT"/>
-            </a:endParaRPr>
-          </a:p>
-        </p:txBody>
-      </p:sp>
+          <a:lstStyle/>
+          <a:p>
+            <a:endParaRPr lang="en-US" sz="2000" b="0" strike="noStrike" spc="-1">
+              <a:solidFill>
+                <a:srgbClr val="000000"/>
+              </a:solidFill>
+              <a:latin typeface="Gill Sans MT"/>
+            </a:endParaRPr>
+          </a:p>
+        </p:txBody>
+      </p:sp>
+      <p:pic>
+        <p:nvPicPr>
+          <p:cNvPr id="3" name="Picture 2">
+            <a:extLst>
+              <a:ext uri="{FF2B5EF4-FFF2-40B4-BE49-F238E27FC236}">
+                <a16:creationId xmlns:a16="http://schemas.microsoft.com/office/drawing/2014/main" id="{7F23E20F-5F19-4D19-9C2C-CCB74A77CC96}"/>
+              </a:ext>
+            </a:extLst>
+          </p:cNvPr>
+          <p:cNvPicPr>
+            <a:picLocks noChangeAspect="1"/>
+          </p:cNvPicPr>
+          <p:nvPr/>
+        </p:nvPicPr>
+        <p:blipFill>
+          <a:blip r:embed="rId2">
+            <a:extLst>
+              <a:ext uri="{28A0092B-C50C-407E-A947-70E740481C1C}">
+                <a14:useLocalDpi xmlns:a14="http://schemas.microsoft.com/office/drawing/2010/main" val="0"/>
+              </a:ext>
+            </a:extLst>
+          </a:blip>
+          <a:stretch>
+            <a:fillRect/>
+          </a:stretch>
+        </p:blipFill>
+        <p:spPr>
+          <a:xfrm>
+            <a:off x="0" y="1305674"/>
+            <a:ext cx="12192000" cy="4246651"/>
+          </a:xfrm>
+          <a:prstGeom prst="rect">
+            <a:avLst/>
+          </a:prstGeom>
+        </p:spPr>
+      </p:pic>
     </p:spTree>
   </p:cSld>
-  <mc:AlternateContent>
-    <mc:Choice Requires="p14">
-      <p:transition spd="slow" p14:dur="2000"/>
-    </mc:Choice>
-    <mc:Fallback>
-      <p:transition spd="slow"/>
-    </mc:Fallback>
-  </mc:AlternateContent>
+  <p:clrMapOvr>
+    <a:masterClrMapping/>
+  </p:clrMapOvr>
   <p:timing>
     <p:tnLst>
       <p:par>
-        <p:cTn id="9" dur="indefinite" restart="never" nodeType="tmRoot">
+        <p:cTn id="1" dur="indefinite" restart="never" nodeType="tmRoot">
           <p:childTnLst>
             <p:seq>
-              <p:cTn id="10" dur="indefinite" nodeType="mainSeq"/>
+              <p:cTn id="2" dur="indefinite" nodeType="mainSeq"/>
               <p:prevCondLst>
-                <p:cond delay="0" evt="onPrev">
+                <p:cond evt="onPrev" delay="0">
                   <p:tgtEl>
                     <p:sldTgt/>
                   </p:tgtEl>
                 </p:cond>
               </p:prevCondLst>
               <p:nextCondLst>
-                <p:cond delay="0" evt="onNext">
+                <p:cond evt="onNext" delay="0">
                   <p:tgtEl>
                     <p:sldTgt/>
                   </p:tgtEl>
@@ -4798,31 +5656,31 @@
         <a:srgbClr val="454545"/>
       </a:dk2>
       <a:lt2>
-        <a:srgbClr val="dfdbd5"/>
+        <a:srgbClr val="DFDBD5"/>
       </a:lt2>
       <a:accent1>
-        <a:srgbClr val="b71e42"/>
+        <a:srgbClr val="B71E42"/>
       </a:accent1>
       <a:accent2>
-        <a:srgbClr val="de478e"/>
+        <a:srgbClr val="DE478E"/>
       </a:accent2>
       <a:accent3>
-        <a:srgbClr val="bc72f0"/>
+        <a:srgbClr val="BC72F0"/>
       </a:accent3>
       <a:accent4>
-        <a:srgbClr val="795faf"/>
+        <a:srgbClr val="795FAF"/>
       </a:accent4>
       <a:accent5>
-        <a:srgbClr val="586ea6"/>
+        <a:srgbClr val="586EA6"/>
       </a:accent5>
       <a:accent6>
-        <a:srgbClr val="6892a0"/>
+        <a:srgbClr val="6892A0"/>
       </a:accent6>
       <a:hlink>
-        <a:srgbClr val="fa2b5c"/>
+        <a:srgbClr val="FA2B5C"/>
       </a:hlink>
       <a:folHlink>
-        <a:srgbClr val="bc658e"/>
+        <a:srgbClr val="BC658E"/>
       </a:folHlink>
     </a:clrScheme>
     <a:fontScheme name="Office">
@@ -5004,6 +5862,8 @@
       </a:bgFillStyleLst>
     </a:fmtScheme>
   </a:themeElements>
+  <a:objectDefaults/>
+  <a:extraClrSchemeLst/>
 </a:theme>
 </file>
 
@@ -5021,31 +5881,31 @@
         <a:srgbClr val="454545"/>
       </a:dk2>
       <a:lt2>
-        <a:srgbClr val="dfdbd5"/>
+        <a:srgbClr val="DFDBD5"/>
       </a:lt2>
       <a:accent1>
-        <a:srgbClr val="b71e42"/>
+        <a:srgbClr val="B71E42"/>
       </a:accent1>
       <a:accent2>
-        <a:srgbClr val="de478e"/>
+        <a:srgbClr val="DE478E"/>
       </a:accent2>
       <a:accent3>
-        <a:srgbClr val="bc72f0"/>
+        <a:srgbClr val="BC72F0"/>
       </a:accent3>
       <a:accent4>
-        <a:srgbClr val="795faf"/>
+        <a:srgbClr val="795FAF"/>
       </a:accent4>
       <a:accent5>
-        <a:srgbClr val="586ea6"/>
+        <a:srgbClr val="586EA6"/>
       </a:accent5>
       <a:accent6>
-        <a:srgbClr val="6892a0"/>
+        <a:srgbClr val="6892A0"/>
       </a:accent6>
       <a:hlink>
-        <a:srgbClr val="fa2b5c"/>
+        <a:srgbClr val="FA2B5C"/>
       </a:hlink>
       <a:folHlink>
-        <a:srgbClr val="bc658e"/>
+        <a:srgbClr val="BC658E"/>
       </a:folHlink>
     </a:clrScheme>
     <a:fontScheme name="Office">
@@ -5227,5 +6087,7 @@
       </a:bgFillStyleLst>
     </a:fmtScheme>
   </a:themeElements>
+  <a:objectDefaults/>
+  <a:extraClrSchemeLst/>
 </a:theme>
 </file>